--- a/其他内容/k8s使用.pptx
+++ b/其他内容/k8s使用.pptx
@@ -107,6 +107,11 @@
       </a:defRPr>
     </a:lvl9pPr>
   </p:defaultTextStyle>
+  <p:extLst>
+    <p:ext uri="{EFAFB233-063F-42B5-8137-9DF3F51BA10A}">
+      <p15:sldGuideLst xmlns:p15="http://schemas.microsoft.com/office/powerpoint/2012/main"/>
+    </p:ext>
+  </p:extLst>
 </p:presentation>
 </file>
 
@@ -241,7 +246,7 @@
           <a:p>
             <a:fld id="{1132488B-E83E-4726-A99B-C8791D64A6D9}" type="datetimeFigureOut">
               <a:rPr lang="zh-CN" altLang="en-US" smtClean="0"/>
-              <a:t>2020/11/30</a:t>
+              <a:t>2020/12/1</a:t>
             </a:fld>
             <a:endParaRPr lang="zh-CN" altLang="en-US"/>
           </a:p>
@@ -411,7 +416,7 @@
           <a:p>
             <a:fld id="{1132488B-E83E-4726-A99B-C8791D64A6D9}" type="datetimeFigureOut">
               <a:rPr lang="zh-CN" altLang="en-US" smtClean="0"/>
-              <a:t>2020/11/30</a:t>
+              <a:t>2020/12/1</a:t>
             </a:fld>
             <a:endParaRPr lang="zh-CN" altLang="en-US"/>
           </a:p>
@@ -591,7 +596,7 @@
           <a:p>
             <a:fld id="{1132488B-E83E-4726-A99B-C8791D64A6D9}" type="datetimeFigureOut">
               <a:rPr lang="zh-CN" altLang="en-US" smtClean="0"/>
-              <a:t>2020/11/30</a:t>
+              <a:t>2020/12/1</a:t>
             </a:fld>
             <a:endParaRPr lang="zh-CN" altLang="en-US"/>
           </a:p>
@@ -761,7 +766,7 @@
           <a:p>
             <a:fld id="{1132488B-E83E-4726-A99B-C8791D64A6D9}" type="datetimeFigureOut">
               <a:rPr lang="zh-CN" altLang="en-US" smtClean="0"/>
-              <a:t>2020/11/30</a:t>
+              <a:t>2020/12/1</a:t>
             </a:fld>
             <a:endParaRPr lang="zh-CN" altLang="en-US"/>
           </a:p>
@@ -1007,7 +1012,7 @@
           <a:p>
             <a:fld id="{1132488B-E83E-4726-A99B-C8791D64A6D9}" type="datetimeFigureOut">
               <a:rPr lang="zh-CN" altLang="en-US" smtClean="0"/>
-              <a:t>2020/11/30</a:t>
+              <a:t>2020/12/1</a:t>
             </a:fld>
             <a:endParaRPr lang="zh-CN" altLang="en-US"/>
           </a:p>
@@ -1239,7 +1244,7 @@
           <a:p>
             <a:fld id="{1132488B-E83E-4726-A99B-C8791D64A6D9}" type="datetimeFigureOut">
               <a:rPr lang="zh-CN" altLang="en-US" smtClean="0"/>
-              <a:t>2020/11/30</a:t>
+              <a:t>2020/12/1</a:t>
             </a:fld>
             <a:endParaRPr lang="zh-CN" altLang="en-US"/>
           </a:p>
@@ -1606,7 +1611,7 @@
           <a:p>
             <a:fld id="{1132488B-E83E-4726-A99B-C8791D64A6D9}" type="datetimeFigureOut">
               <a:rPr lang="zh-CN" altLang="en-US" smtClean="0"/>
-              <a:t>2020/11/30</a:t>
+              <a:t>2020/12/1</a:t>
             </a:fld>
             <a:endParaRPr lang="zh-CN" altLang="en-US"/>
           </a:p>
@@ -1724,7 +1729,7 @@
           <a:p>
             <a:fld id="{1132488B-E83E-4726-A99B-C8791D64A6D9}" type="datetimeFigureOut">
               <a:rPr lang="zh-CN" altLang="en-US" smtClean="0"/>
-              <a:t>2020/11/30</a:t>
+              <a:t>2020/12/1</a:t>
             </a:fld>
             <a:endParaRPr lang="zh-CN" altLang="en-US"/>
           </a:p>
@@ -1819,7 +1824,7 @@
           <a:p>
             <a:fld id="{1132488B-E83E-4726-A99B-C8791D64A6D9}" type="datetimeFigureOut">
               <a:rPr lang="zh-CN" altLang="en-US" smtClean="0"/>
-              <a:t>2020/11/30</a:t>
+              <a:t>2020/12/1</a:t>
             </a:fld>
             <a:endParaRPr lang="zh-CN" altLang="en-US"/>
           </a:p>
@@ -2096,7 +2101,7 @@
           <a:p>
             <a:fld id="{1132488B-E83E-4726-A99B-C8791D64A6D9}" type="datetimeFigureOut">
               <a:rPr lang="zh-CN" altLang="en-US" smtClean="0"/>
-              <a:t>2020/11/30</a:t>
+              <a:t>2020/12/1</a:t>
             </a:fld>
             <a:endParaRPr lang="zh-CN" altLang="en-US"/>
           </a:p>
@@ -2349,7 +2354,7 @@
           <a:p>
             <a:fld id="{1132488B-E83E-4726-A99B-C8791D64A6D9}" type="datetimeFigureOut">
               <a:rPr lang="zh-CN" altLang="en-US" smtClean="0"/>
-              <a:t>2020/11/30</a:t>
+              <a:t>2020/12/1</a:t>
             </a:fld>
             <a:endParaRPr lang="zh-CN" altLang="en-US"/>
           </a:p>
@@ -2562,7 +2567,7 @@
           <a:p>
             <a:fld id="{1132488B-E83E-4726-A99B-C8791D64A6D9}" type="datetimeFigureOut">
               <a:rPr lang="zh-CN" altLang="en-US" smtClean="0"/>
-              <a:t>2020/11/30</a:t>
+              <a:t>2020/12/1</a:t>
             </a:fld>
             <a:endParaRPr lang="zh-CN" altLang="en-US"/>
           </a:p>
@@ -3099,24 +3104,24 @@
         </p:nvSpPr>
         <p:spPr>
           <a:xfrm>
-            <a:off x="1010729" y="790455"/>
-            <a:ext cx="10515600" cy="4351338"/>
+            <a:off x="1010729" y="790454"/>
+            <a:ext cx="10515600" cy="5927845"/>
           </a:xfrm>
         </p:spPr>
         <p:txBody>
           <a:bodyPr>
-            <a:normAutofit fontScale="40000" lnSpcReduction="20000"/>
+            <a:noAutofit/>
           </a:bodyPr>
           <a:lstStyle/>
           <a:p>
             <a:r>
-              <a:rPr lang="zh-CN" altLang="en-US" dirty="0" smtClean="0"/>
+              <a:rPr lang="zh-CN" altLang="en-US" sz="1600" dirty="0" smtClean="0"/>
               <a:t>查看命名空间</a:t>
             </a:r>
           </a:p>
           <a:p>
             <a:r>
-              <a:rPr lang="en-US" altLang="zh-CN" dirty="0" err="1" smtClean="0">
+              <a:rPr lang="en-US" altLang="zh-CN" sz="1600" dirty="0" err="1" smtClean="0">
                 <a:solidFill>
                   <a:srgbClr val="FF0000"/>
                 </a:solidFill>
@@ -3124,7 +3129,7 @@
               <a:t>kubectl</a:t>
             </a:r>
             <a:r>
-              <a:rPr lang="en-US" altLang="zh-CN" dirty="0" smtClean="0">
+              <a:rPr lang="en-US" altLang="zh-CN" sz="1600" dirty="0" smtClean="0">
                 <a:solidFill>
                   <a:srgbClr val="FF0000"/>
                 </a:solidFill>
@@ -3132,7 +3137,7 @@
               <a:t> get ns  </a:t>
             </a:r>
             <a:r>
-              <a:rPr lang="zh-CN" altLang="en-US" dirty="0" smtClean="0">
+              <a:rPr lang="zh-CN" altLang="en-US" sz="1600" dirty="0" smtClean="0">
                 <a:solidFill>
                   <a:srgbClr val="FF0000"/>
                 </a:solidFill>
@@ -3142,7 +3147,7 @@
           </a:p>
           <a:p>
             <a:r>
-              <a:rPr lang="en-US" altLang="zh-CN" dirty="0" err="1" smtClean="0">
+              <a:rPr lang="en-US" altLang="zh-CN" sz="1600" dirty="0" err="1" smtClean="0">
                 <a:solidFill>
                   <a:srgbClr val="FF0000"/>
                 </a:solidFill>
@@ -3150,7 +3155,7 @@
               <a:t>kubectl</a:t>
             </a:r>
             <a:r>
-              <a:rPr lang="en-US" altLang="zh-CN" dirty="0" smtClean="0">
+              <a:rPr lang="en-US" altLang="zh-CN" sz="1600" dirty="0" smtClean="0">
                 <a:solidFill>
                   <a:srgbClr val="FF0000"/>
                 </a:solidFill>
@@ -3158,7 +3163,7 @@
               <a:t> get all -n </a:t>
             </a:r>
             <a:r>
-              <a:rPr lang="en-US" altLang="zh-CN" dirty="0" err="1" smtClean="0">
+              <a:rPr lang="en-US" altLang="zh-CN" sz="1600" dirty="0" err="1" smtClean="0">
                 <a:solidFill>
                   <a:srgbClr val="FF0000"/>
                 </a:solidFill>
@@ -3166,7 +3171,7 @@
               <a:t>mstpdev</a:t>
             </a:r>
             <a:r>
-              <a:rPr lang="en-US" altLang="zh-CN" dirty="0" smtClean="0">
+              <a:rPr lang="en-US" altLang="zh-CN" sz="1600" dirty="0" smtClean="0">
                 <a:solidFill>
                   <a:srgbClr val="FF0000"/>
                 </a:solidFill>
@@ -3174,7 +3179,7 @@
               <a:t>  </a:t>
             </a:r>
             <a:r>
-              <a:rPr lang="zh-CN" altLang="en-US" dirty="0" smtClean="0">
+              <a:rPr lang="zh-CN" altLang="en-US" sz="1600" dirty="0" smtClean="0">
                 <a:solidFill>
                   <a:srgbClr val="FF0000"/>
                 </a:solidFill>
@@ -3183,105 +3188,105 @@
             </a:r>
           </a:p>
           <a:p>
-            <a:endParaRPr lang="zh-CN" altLang="en-US" dirty="0" smtClean="0"/>
-          </a:p>
-          <a:p>
-            <a:r>
-              <a:rPr lang="zh-CN" altLang="en-US" dirty="0" smtClean="0"/>
+            <a:endParaRPr lang="zh-CN" altLang="en-US" sz="1600" dirty="0" smtClean="0"/>
+          </a:p>
+          <a:p>
+            <a:r>
+              <a:rPr lang="zh-CN" altLang="en-US" sz="1600" dirty="0" smtClean="0"/>
               <a:t>查看</a:t>
             </a:r>
             <a:r>
-              <a:rPr lang="en-US" altLang="zh-CN" dirty="0" smtClean="0"/>
+              <a:rPr lang="en-US" altLang="zh-CN" sz="1600" dirty="0" smtClean="0"/>
               <a:t>pod</a:t>
             </a:r>
             <a:r>
-              <a:rPr lang="zh-CN" altLang="en-US" dirty="0" smtClean="0"/>
+              <a:rPr lang="zh-CN" altLang="en-US" sz="1600" dirty="0" smtClean="0"/>
               <a:t>控制器   </a:t>
             </a:r>
             <a:r>
-              <a:rPr lang="en-US" altLang="zh-CN" dirty="0" err="1" smtClean="0"/>
+              <a:rPr lang="en-US" altLang="zh-CN" sz="1600" dirty="0" err="1" smtClean="0"/>
               <a:t>kubectl</a:t>
             </a:r>
             <a:r>
-              <a:rPr lang="en-US" altLang="zh-CN" dirty="0" smtClean="0"/>
+              <a:rPr lang="en-US" altLang="zh-CN" sz="1600" dirty="0" smtClean="0"/>
               <a:t> get deploy -n </a:t>
             </a:r>
             <a:r>
-              <a:rPr lang="en-US" altLang="zh-CN" dirty="0" err="1" smtClean="0"/>
+              <a:rPr lang="en-US" altLang="zh-CN" sz="1600" dirty="0" err="1" smtClean="0"/>
               <a:t>mstpdev</a:t>
             </a:r>
             <a:r>
-              <a:rPr lang="en-US" altLang="zh-CN" dirty="0" smtClean="0"/>
+              <a:rPr lang="en-US" altLang="zh-CN" sz="1600" dirty="0" smtClean="0"/>
               <a:t>(</a:t>
             </a:r>
             <a:r>
-              <a:rPr lang="zh-CN" altLang="en-US" dirty="0" smtClean="0"/>
+              <a:rPr lang="zh-CN" altLang="en-US" sz="1600" dirty="0" smtClean="0"/>
               <a:t>名称空间</a:t>
             </a:r>
             <a:r>
-              <a:rPr lang="en-US" altLang="zh-CN" dirty="0" smtClean="0"/>
+              <a:rPr lang="en-US" altLang="zh-CN" sz="1600" dirty="0" smtClean="0"/>
               <a:t>)   </a:t>
             </a:r>
           </a:p>
           <a:p>
             <a:r>
-              <a:rPr lang="en-US" altLang="zh-CN" dirty="0" smtClean="0"/>
+              <a:rPr lang="en-US" altLang="zh-CN" sz="1600" dirty="0" smtClean="0"/>
               <a:t>		</a:t>
             </a:r>
             <a:r>
-              <a:rPr lang="en-US" altLang="zh-CN" dirty="0" err="1" smtClean="0"/>
+              <a:rPr lang="en-US" altLang="zh-CN" sz="1600" dirty="0" err="1" smtClean="0"/>
               <a:t>kubectl</a:t>
             </a:r>
             <a:r>
-              <a:rPr lang="en-US" altLang="zh-CN" dirty="0" smtClean="0"/>
+              <a:rPr lang="en-US" altLang="zh-CN" sz="1600" dirty="0" smtClean="0"/>
               <a:t> get deploy -o wide -n </a:t>
             </a:r>
             <a:r>
-              <a:rPr lang="en-US" altLang="zh-CN" dirty="0" err="1" smtClean="0"/>
+              <a:rPr lang="en-US" altLang="zh-CN" sz="1600" dirty="0" err="1" smtClean="0"/>
               <a:t>mstpdev</a:t>
             </a:r>
             <a:r>
-              <a:rPr lang="en-US" altLang="zh-CN" dirty="0" smtClean="0"/>
+              <a:rPr lang="en-US" altLang="zh-CN" sz="1600" dirty="0" smtClean="0"/>
               <a:t>(</a:t>
             </a:r>
             <a:r>
-              <a:rPr lang="zh-CN" altLang="en-US" dirty="0" smtClean="0"/>
+              <a:rPr lang="zh-CN" altLang="en-US" sz="1600" dirty="0" smtClean="0"/>
               <a:t>名称空间</a:t>
             </a:r>
             <a:r>
-              <a:rPr lang="en-US" altLang="zh-CN" dirty="0" smtClean="0"/>
+              <a:rPr lang="en-US" altLang="zh-CN" sz="1600" dirty="0" smtClean="0"/>
               <a:t>)</a:t>
             </a:r>
           </a:p>
           <a:p>
             <a:r>
-              <a:rPr lang="en-US" altLang="zh-CN" dirty="0" smtClean="0"/>
+              <a:rPr lang="en-US" altLang="zh-CN" sz="1600" dirty="0" smtClean="0"/>
               <a:t>		</a:t>
             </a:r>
             <a:r>
-              <a:rPr lang="en-US" altLang="zh-CN" dirty="0" err="1" smtClean="0"/>
+              <a:rPr lang="en-US" altLang="zh-CN" sz="1600" dirty="0" err="1" smtClean="0"/>
               <a:t>kubectl</a:t>
             </a:r>
             <a:r>
-              <a:rPr lang="en-US" altLang="zh-CN" dirty="0" smtClean="0"/>
+              <a:rPr lang="en-US" altLang="zh-CN" sz="1600" dirty="0" smtClean="0"/>
               <a:t> describe deployment pod</a:t>
             </a:r>
             <a:r>
-              <a:rPr lang="zh-CN" altLang="en-US" dirty="0" smtClean="0"/>
+              <a:rPr lang="zh-CN" altLang="en-US" sz="1600" dirty="0" smtClean="0"/>
               <a:t>控制器名 </a:t>
             </a:r>
             <a:r>
-              <a:rPr lang="en-US" altLang="zh-CN" dirty="0" smtClean="0"/>
+              <a:rPr lang="en-US" altLang="zh-CN" sz="1600" dirty="0" smtClean="0"/>
               <a:t>-n </a:t>
             </a:r>
             <a:r>
-              <a:rPr lang="zh-CN" altLang="en-US" dirty="0" smtClean="0"/>
+              <a:rPr lang="zh-CN" altLang="en-US" sz="1600" dirty="0" smtClean="0"/>
               <a:t>名称空间</a:t>
             </a:r>
           </a:p>
           <a:p>
             <a:r>
-              <a:rPr lang="zh-CN" altLang="en-US" dirty="0" smtClean="0">
+              <a:rPr lang="zh-CN" altLang="en-US" sz="1600" dirty="0" smtClean="0">
                 <a:solidFill>
                   <a:srgbClr val="FF0000"/>
                 </a:solidFill>
@@ -3289,7 +3294,7 @@
               <a:t>查看</a:t>
             </a:r>
             <a:r>
-              <a:rPr lang="en-US" altLang="zh-CN" dirty="0" smtClean="0">
+              <a:rPr lang="en-US" altLang="zh-CN" sz="1600" dirty="0" smtClean="0">
                 <a:solidFill>
                   <a:srgbClr val="FF0000"/>
                 </a:solidFill>
@@ -3297,7 +3302,7 @@
               <a:t>pod</a:t>
             </a:r>
             <a:r>
-              <a:rPr lang="zh-CN" altLang="en-US" dirty="0" smtClean="0">
+              <a:rPr lang="zh-CN" altLang="en-US" sz="1600" dirty="0" smtClean="0">
                 <a:solidFill>
                   <a:srgbClr val="FF0000"/>
                 </a:solidFill>
@@ -3305,7 +3310,7 @@
               <a:t>资源     </a:t>
             </a:r>
             <a:r>
-              <a:rPr lang="en-US" altLang="zh-CN" dirty="0" err="1" smtClean="0">
+              <a:rPr lang="en-US" altLang="zh-CN" sz="1600" dirty="0" err="1" smtClean="0">
                 <a:solidFill>
                   <a:srgbClr val="FF0000"/>
                 </a:solidFill>
@@ -3313,7 +3318,7 @@
               <a:t>kubectl</a:t>
             </a:r>
             <a:r>
-              <a:rPr lang="en-US" altLang="zh-CN" dirty="0" smtClean="0">
+              <a:rPr lang="en-US" altLang="zh-CN" sz="1600" dirty="0" smtClean="0">
                 <a:solidFill>
                   <a:srgbClr val="FF0000"/>
                 </a:solidFill>
@@ -3321,7 +3326,7 @@
               <a:t> get pods -n </a:t>
             </a:r>
             <a:r>
-              <a:rPr lang="en-US" altLang="zh-CN" dirty="0" err="1" smtClean="0">
+              <a:rPr lang="en-US" altLang="zh-CN" sz="1600" dirty="0" err="1" smtClean="0">
                 <a:solidFill>
                   <a:srgbClr val="FF0000"/>
                 </a:solidFill>
@@ -3329,7 +3334,7 @@
               <a:t>mstpdev</a:t>
             </a:r>
             <a:r>
-              <a:rPr lang="en-US" altLang="zh-CN" dirty="0" smtClean="0">
+              <a:rPr lang="en-US" altLang="zh-CN" sz="1600" dirty="0" smtClean="0">
                 <a:solidFill>
                   <a:srgbClr val="FF0000"/>
                 </a:solidFill>
@@ -3337,7 +3342,7 @@
               <a:t>				</a:t>
             </a:r>
             <a:r>
-              <a:rPr lang="zh-CN" altLang="en-US" dirty="0" smtClean="0">
+              <a:rPr lang="zh-CN" altLang="en-US" sz="1600" dirty="0" smtClean="0">
                 <a:solidFill>
                   <a:srgbClr val="FF0000"/>
                 </a:solidFill>
@@ -3347,29 +3352,29 @@
           </a:p>
           <a:p>
             <a:r>
-              <a:rPr lang="zh-CN" altLang="en-US" dirty="0" smtClean="0"/>
+              <a:rPr lang="zh-CN" altLang="en-US" sz="1600" dirty="0" smtClean="0"/>
               <a:t>		</a:t>
             </a:r>
             <a:r>
-              <a:rPr lang="en-US" altLang="zh-CN" dirty="0" err="1" smtClean="0"/>
+              <a:rPr lang="en-US" altLang="zh-CN" sz="1600" dirty="0" err="1" smtClean="0"/>
               <a:t>kubectl</a:t>
             </a:r>
             <a:r>
-              <a:rPr lang="en-US" altLang="zh-CN" dirty="0" smtClean="0"/>
+              <a:rPr lang="en-US" altLang="zh-CN" sz="1600" dirty="0" smtClean="0"/>
               <a:t> get pods -n </a:t>
             </a:r>
             <a:r>
-              <a:rPr lang="en-US" altLang="zh-CN" dirty="0" err="1" smtClean="0"/>
+              <a:rPr lang="en-US" altLang="zh-CN" sz="1600" dirty="0" err="1" smtClean="0"/>
               <a:t>mstpdev</a:t>
             </a:r>
             <a:r>
-              <a:rPr lang="en-US" altLang="zh-CN" dirty="0" smtClean="0"/>
+              <a:rPr lang="en-US" altLang="zh-CN" sz="1600" dirty="0" smtClean="0"/>
               <a:t> -o wide</a:t>
             </a:r>
           </a:p>
           <a:p>
             <a:r>
-              <a:rPr lang="zh-CN" altLang="en-US" dirty="0" smtClean="0">
+              <a:rPr lang="zh-CN" altLang="en-US" sz="1600" dirty="0" smtClean="0">
                 <a:solidFill>
                   <a:srgbClr val="FF0000"/>
                 </a:solidFill>
@@ -3377,7 +3382,7 @@
               <a:t>查看</a:t>
             </a:r>
             <a:r>
-              <a:rPr lang="en-US" altLang="zh-CN" dirty="0" smtClean="0">
+              <a:rPr lang="en-US" altLang="zh-CN" sz="1600" dirty="0" smtClean="0">
                 <a:solidFill>
                   <a:srgbClr val="FF0000"/>
                 </a:solidFill>
@@ -3385,7 +3390,7 @@
               <a:t>pod</a:t>
             </a:r>
             <a:r>
-              <a:rPr lang="zh-CN" altLang="en-US" dirty="0" smtClean="0">
+              <a:rPr lang="zh-CN" altLang="en-US" sz="1600" dirty="0" smtClean="0">
                 <a:solidFill>
                   <a:srgbClr val="FF0000"/>
                 </a:solidFill>
@@ -3393,7 +3398,7 @@
               <a:t>详细信息 </a:t>
             </a:r>
             <a:r>
-              <a:rPr lang="en-US" altLang="zh-CN" dirty="0" err="1" smtClean="0">
+              <a:rPr lang="en-US" altLang="zh-CN" sz="1600" dirty="0" err="1" smtClean="0">
                 <a:solidFill>
                   <a:srgbClr val="FF0000"/>
                 </a:solidFill>
@@ -3401,7 +3406,7 @@
               <a:t>kubectl</a:t>
             </a:r>
             <a:r>
-              <a:rPr lang="en-US" altLang="zh-CN" dirty="0" smtClean="0">
+              <a:rPr lang="en-US" altLang="zh-CN" sz="1600" dirty="0" smtClean="0">
                 <a:solidFill>
                   <a:srgbClr val="FF0000"/>
                 </a:solidFill>
@@ -3409,7 +3414,7 @@
               <a:t> describe pods pod</a:t>
             </a:r>
             <a:r>
-              <a:rPr lang="zh-CN" altLang="en-US" dirty="0" smtClean="0">
+              <a:rPr lang="zh-CN" altLang="en-US" sz="1600" dirty="0" smtClean="0">
                 <a:solidFill>
                   <a:srgbClr val="FF0000"/>
                 </a:solidFill>
@@ -3417,7 +3422,7 @@
               <a:t>名称 </a:t>
             </a:r>
             <a:r>
-              <a:rPr lang="en-US" altLang="zh-CN" dirty="0" smtClean="0">
+              <a:rPr lang="en-US" altLang="zh-CN" sz="1600" dirty="0" smtClean="0">
                 <a:solidFill>
                   <a:srgbClr val="FF0000"/>
                 </a:solidFill>
@@ -3425,7 +3430,7 @@
               <a:t>-n </a:t>
             </a:r>
             <a:r>
-              <a:rPr lang="zh-CN" altLang="en-US" dirty="0" smtClean="0">
+              <a:rPr lang="zh-CN" altLang="en-US" sz="1600" dirty="0" smtClean="0">
                 <a:solidFill>
                   <a:srgbClr val="FF0000"/>
                 </a:solidFill>
@@ -3435,7 +3440,7 @@
           </a:p>
           <a:p>
             <a:r>
-              <a:rPr lang="zh-CN" altLang="en-US" dirty="0" smtClean="0">
+              <a:rPr lang="zh-CN" altLang="en-US" sz="1600" dirty="0" smtClean="0">
                 <a:solidFill>
                   <a:srgbClr val="FF0000"/>
                 </a:solidFill>
@@ -3443,7 +3448,7 @@
               <a:t>进入</a:t>
             </a:r>
             <a:r>
-              <a:rPr lang="en-US" altLang="zh-CN" dirty="0" smtClean="0">
+              <a:rPr lang="en-US" altLang="zh-CN" sz="1600" dirty="0" smtClean="0">
                 <a:solidFill>
                   <a:srgbClr val="FF0000"/>
                 </a:solidFill>
@@ -3451,7 +3456,7 @@
               <a:t>pod</a:t>
             </a:r>
             <a:r>
-              <a:rPr lang="zh-CN" altLang="en-US" dirty="0" smtClean="0">
+              <a:rPr lang="zh-CN" altLang="en-US" sz="1600" dirty="0" smtClean="0">
                 <a:solidFill>
                   <a:srgbClr val="FF0000"/>
                 </a:solidFill>
@@ -3459,7 +3464,7 @@
               <a:t>资源  </a:t>
             </a:r>
             <a:r>
-              <a:rPr lang="en-US" altLang="zh-CN" dirty="0" err="1" smtClean="0">
+              <a:rPr lang="en-US" altLang="zh-CN" sz="1600" dirty="0" err="1" smtClean="0">
                 <a:solidFill>
                   <a:srgbClr val="FF0000"/>
                 </a:solidFill>
@@ -3467,7 +3472,7 @@
               <a:t>kubectl</a:t>
             </a:r>
             <a:r>
-              <a:rPr lang="en-US" altLang="zh-CN" dirty="0" smtClean="0">
+              <a:rPr lang="en-US" altLang="zh-CN" sz="1600" dirty="0" smtClean="0">
                 <a:solidFill>
                   <a:srgbClr val="FF0000"/>
                 </a:solidFill>
@@ -3475,7 +3480,7 @@
               <a:t> exec -ti pod</a:t>
             </a:r>
             <a:r>
-              <a:rPr lang="zh-CN" altLang="en-US" dirty="0" smtClean="0">
+              <a:rPr lang="zh-CN" altLang="en-US" sz="1600" dirty="0" smtClean="0">
                 <a:solidFill>
                   <a:srgbClr val="FF0000"/>
                 </a:solidFill>
@@ -3483,7 +3488,7 @@
               <a:t>名称  </a:t>
             </a:r>
             <a:r>
-              <a:rPr lang="en-US" altLang="zh-CN" dirty="0" smtClean="0">
+              <a:rPr lang="en-US" altLang="zh-CN" sz="1600" dirty="0" smtClean="0">
                 <a:solidFill>
                   <a:srgbClr val="FF0000"/>
                 </a:solidFill>
@@ -3491,7 +3496,7 @@
               <a:t>bash -n </a:t>
             </a:r>
             <a:r>
-              <a:rPr lang="zh-CN" altLang="en-US" dirty="0" smtClean="0">
+              <a:rPr lang="zh-CN" altLang="en-US" sz="1600" dirty="0" smtClean="0">
                 <a:solidFill>
                   <a:srgbClr val="FF0000"/>
                 </a:solidFill>
@@ -3501,24 +3506,24 @@
           </a:p>
           <a:p>
             <a:r>
-              <a:rPr lang="zh-CN" altLang="en-US" dirty="0" smtClean="0"/>
+              <a:rPr lang="zh-CN" altLang="en-US" sz="1600" dirty="0" smtClean="0"/>
               <a:t>	     也可以使用</a:t>
             </a:r>
             <a:r>
-              <a:rPr lang="en-US" altLang="zh-CN" dirty="0" err="1" smtClean="0"/>
+              <a:rPr lang="en-US" altLang="zh-CN" sz="1600" dirty="0" err="1" smtClean="0"/>
               <a:t>docker</a:t>
             </a:r>
             <a:r>
-              <a:rPr lang="en-US" altLang="zh-CN" dirty="0" smtClean="0"/>
+              <a:rPr lang="en-US" altLang="zh-CN" sz="1600" dirty="0" smtClean="0"/>
               <a:t> exec</a:t>
             </a:r>
           </a:p>
           <a:p>
-            <a:endParaRPr lang="en-US" altLang="zh-CN" dirty="0" smtClean="0"/>
-          </a:p>
-          <a:p>
-            <a:r>
-              <a:rPr lang="zh-CN" altLang="en-US" dirty="0" smtClean="0">
+            <a:endParaRPr lang="en-US" altLang="zh-CN" sz="1600" dirty="0" smtClean="0"/>
+          </a:p>
+          <a:p>
+            <a:r>
+              <a:rPr lang="zh-CN" altLang="en-US" sz="1600" dirty="0" smtClean="0">
                 <a:solidFill>
                   <a:srgbClr val="FF0000"/>
                 </a:solidFill>
@@ -3526,7 +3531,7 @@
               <a:t>查看全部</a:t>
             </a:r>
             <a:r>
-              <a:rPr lang="en-US" altLang="zh-CN" dirty="0" smtClean="0">
+              <a:rPr lang="en-US" altLang="zh-CN" sz="1600" dirty="0" smtClean="0">
                 <a:solidFill>
                   <a:srgbClr val="FF0000"/>
                 </a:solidFill>
@@ -3534,7 +3539,7 @@
               <a:t>service</a:t>
             </a:r>
             <a:r>
-              <a:rPr lang="zh-CN" altLang="en-US" dirty="0" smtClean="0">
+              <a:rPr lang="zh-CN" altLang="en-US" sz="1600" dirty="0" smtClean="0">
                 <a:solidFill>
                   <a:srgbClr val="FF0000"/>
                 </a:solidFill>
@@ -3542,7 +3547,7 @@
               <a:t>的信息 	</a:t>
             </a:r>
             <a:r>
-              <a:rPr lang="en-US" altLang="zh-CN" dirty="0" err="1" smtClean="0">
+              <a:rPr lang="en-US" altLang="zh-CN" sz="1600" dirty="0" err="1" smtClean="0">
                 <a:solidFill>
                   <a:srgbClr val="FF0000"/>
                 </a:solidFill>
@@ -3550,7 +3555,7 @@
               <a:t>kubectl</a:t>
             </a:r>
             <a:r>
-              <a:rPr lang="en-US" altLang="zh-CN" dirty="0" smtClean="0">
+              <a:rPr lang="en-US" altLang="zh-CN" sz="1600" dirty="0" smtClean="0">
                 <a:solidFill>
                   <a:srgbClr val="FF0000"/>
                 </a:solidFill>
@@ -3558,7 +3563,7 @@
               <a:t> get --all-namespaces services         </a:t>
             </a:r>
             <a:r>
-              <a:rPr lang="zh-CN" altLang="en-US" dirty="0" smtClean="0">
+              <a:rPr lang="zh-CN" altLang="en-US" sz="1600" dirty="0" smtClean="0">
                 <a:solidFill>
                   <a:srgbClr val="FF0000"/>
                 </a:solidFill>
@@ -3568,7 +3573,7 @@
           </a:p>
           <a:p>
             <a:r>
-              <a:rPr lang="zh-CN" altLang="en-US" dirty="0" smtClean="0">
+              <a:rPr lang="zh-CN" altLang="en-US" sz="1600" dirty="0" smtClean="0">
                 <a:solidFill>
                   <a:srgbClr val="FF0000"/>
                 </a:solidFill>
@@ -3576,7 +3581,7 @@
               <a:t>查看某个</a:t>
             </a:r>
             <a:r>
-              <a:rPr lang="en-US" altLang="zh-CN" dirty="0" smtClean="0">
+              <a:rPr lang="en-US" altLang="zh-CN" sz="1600" dirty="0" smtClean="0">
                 <a:solidFill>
                   <a:srgbClr val="FF0000"/>
                 </a:solidFill>
@@ -3584,7 +3589,7 @@
               <a:t>service		</a:t>
             </a:r>
             <a:r>
-              <a:rPr lang="en-US" altLang="zh-CN" dirty="0" err="1" smtClean="0">
+              <a:rPr lang="en-US" altLang="zh-CN" sz="1600" dirty="0" err="1" smtClean="0">
                 <a:solidFill>
                   <a:srgbClr val="FF0000"/>
                 </a:solidFill>
@@ -3592,7 +3597,7 @@
               <a:t>kubectl</a:t>
             </a:r>
             <a:r>
-              <a:rPr lang="en-US" altLang="zh-CN" dirty="0" smtClean="0">
+              <a:rPr lang="en-US" altLang="zh-CN" sz="1600" dirty="0" smtClean="0">
                 <a:solidFill>
                   <a:srgbClr val="FF0000"/>
                 </a:solidFill>
@@ -3600,7 +3605,7 @@
               <a:t> describe svc </a:t>
             </a:r>
             <a:r>
-              <a:rPr lang="zh-CN" altLang="en-US" dirty="0" smtClean="0">
+              <a:rPr lang="zh-CN" altLang="en-US" sz="1600" dirty="0" smtClean="0">
                 <a:solidFill>
                   <a:srgbClr val="FF0000"/>
                 </a:solidFill>
@@ -3608,7 +3613,7 @@
               <a:t>服务名 </a:t>
             </a:r>
             <a:r>
-              <a:rPr lang="en-US" altLang="zh-CN" dirty="0" smtClean="0">
+              <a:rPr lang="en-US" altLang="zh-CN" sz="1600" dirty="0" smtClean="0">
                 <a:solidFill>
                   <a:srgbClr val="FF0000"/>
                 </a:solidFill>
@@ -3616,7 +3621,7 @@
               <a:t>-n </a:t>
             </a:r>
             <a:r>
-              <a:rPr lang="zh-CN" altLang="en-US" dirty="0" smtClean="0">
+              <a:rPr lang="zh-CN" altLang="en-US" sz="1600" dirty="0" smtClean="0">
                 <a:solidFill>
                   <a:srgbClr val="FF0000"/>
                 </a:solidFill>
@@ -3626,17 +3631,17 @@
           </a:p>
           <a:p>
             <a:r>
-              <a:rPr lang="zh-CN" altLang="en-US" dirty="0" smtClean="0"/>
+              <a:rPr lang="zh-CN" altLang="en-US" sz="1600" dirty="0" smtClean="0"/>
               <a:t>退出</a:t>
             </a:r>
             <a:r>
-              <a:rPr lang="en-US" altLang="zh-CN" dirty="0" smtClean="0"/>
+              <a:rPr lang="en-US" altLang="zh-CN" sz="1600" dirty="0" smtClean="0"/>
               <a:t>pod      exit</a:t>
             </a:r>
           </a:p>
           <a:p>
             <a:r>
-              <a:rPr lang="zh-CN" altLang="en-US" dirty="0" smtClean="0">
+              <a:rPr lang="zh-CN" altLang="en-US" sz="1600" dirty="0" smtClean="0">
                 <a:solidFill>
                   <a:srgbClr val="FF0000"/>
                 </a:solidFill>
@@ -3644,7 +3649,7 @@
               <a:t>查看全部节点         </a:t>
             </a:r>
             <a:r>
-              <a:rPr lang="en-US" altLang="zh-CN" dirty="0" err="1" smtClean="0">
+              <a:rPr lang="en-US" altLang="zh-CN" sz="1600" dirty="0" err="1" smtClean="0">
                 <a:solidFill>
                   <a:srgbClr val="FF0000"/>
                 </a:solidFill>
@@ -3652,14 +3657,14 @@
               <a:t>kubectl</a:t>
             </a:r>
             <a:r>
-              <a:rPr lang="en-US" altLang="zh-CN" dirty="0" smtClean="0">
+              <a:rPr lang="en-US" altLang="zh-CN" sz="1600" dirty="0" smtClean="0">
                 <a:solidFill>
                   <a:srgbClr val="FF0000"/>
                 </a:solidFill>
               </a:rPr>
               <a:t> get nodes</a:t>
             </a:r>
-            <a:endParaRPr lang="zh-CN" altLang="en-US" dirty="0">
+            <a:endParaRPr lang="zh-CN" altLang="en-US" sz="1600" dirty="0">
               <a:solidFill>
                 <a:srgbClr val="FF0000"/>
               </a:solidFill>
@@ -3765,10 +3770,7 @@
               <a:rPr lang="en-US" altLang="zh-CN" dirty="0" err="1" smtClean="0"/>
               <a:t>kubectl</a:t>
             </a:r>
-            <a:r>
-              <a:rPr lang="en-US" altLang="zh-CN" dirty="0" smtClean="0"/>
-              <a:t>  describe pod  hello-world</a:t>
-            </a:r>
+            <a:endParaRPr lang="en-US" altLang="zh-CN" dirty="0" smtClean="0"/>
           </a:p>
           <a:p>
             <a:r>
@@ -3792,8 +3794,16 @@
               <a:t> describe pods </a:t>
             </a:r>
             <a:r>
-              <a:rPr lang="en-US" altLang="zh-CN" dirty="0" err="1" smtClean="0"/>
-              <a:t>yourpodname</a:t>
+              <a:rPr lang="en-US" altLang="zh-CN" dirty="0" err="1"/>
+              <a:t>yourdescribe</a:t>
+            </a:r>
+            <a:r>
+              <a:rPr lang="en-US" altLang="zh-CN" dirty="0"/>
+              <a:t> pod  hello-</a:t>
+            </a:r>
+            <a:r>
+              <a:rPr lang="en-US" altLang="zh-CN" dirty="0" err="1"/>
+              <a:t>worldpodname</a:t>
             </a:r>
             <a:endParaRPr lang="en-US" altLang="zh-CN" dirty="0" smtClean="0"/>
           </a:p>

--- a/其他内容/k8s使用.pptx
+++ b/其他内容/k8s使用.pptx
@@ -5,10 +5,19 @@
     <p:sldMasterId id="2147483648" r:id="rId1"/>
   </p:sldMasterIdLst>
   <p:sldIdLst>
-    <p:sldId id="256" r:id="rId2"/>
-    <p:sldId id="257" r:id="rId3"/>
-    <p:sldId id="258" r:id="rId4"/>
-    <p:sldId id="259" r:id="rId5"/>
+    <p:sldId id="267" r:id="rId2"/>
+    <p:sldId id="268" r:id="rId3"/>
+    <p:sldId id="260" r:id="rId4"/>
+    <p:sldId id="261" r:id="rId5"/>
+    <p:sldId id="262" r:id="rId6"/>
+    <p:sldId id="263" r:id="rId7"/>
+    <p:sldId id="264" r:id="rId8"/>
+    <p:sldId id="265" r:id="rId9"/>
+    <p:sldId id="256" r:id="rId10"/>
+    <p:sldId id="257" r:id="rId11"/>
+    <p:sldId id="258" r:id="rId12"/>
+    <p:sldId id="259" r:id="rId13"/>
+    <p:sldId id="266" r:id="rId14"/>
   </p:sldIdLst>
   <p:sldSz cx="12192000" cy="6858000"/>
   <p:notesSz cx="6858000" cy="9144000"/>
@@ -246,7 +255,7 @@
           <a:p>
             <a:fld id="{1132488B-E83E-4726-A99B-C8791D64A6D9}" type="datetimeFigureOut">
               <a:rPr lang="zh-CN" altLang="en-US" smtClean="0"/>
-              <a:t>2020/12/1</a:t>
+              <a:t>2020/12/2</a:t>
             </a:fld>
             <a:endParaRPr lang="zh-CN" altLang="en-US"/>
           </a:p>
@@ -416,7 +425,7 @@
           <a:p>
             <a:fld id="{1132488B-E83E-4726-A99B-C8791D64A6D9}" type="datetimeFigureOut">
               <a:rPr lang="zh-CN" altLang="en-US" smtClean="0"/>
-              <a:t>2020/12/1</a:t>
+              <a:t>2020/12/2</a:t>
             </a:fld>
             <a:endParaRPr lang="zh-CN" altLang="en-US"/>
           </a:p>
@@ -596,7 +605,7 @@
           <a:p>
             <a:fld id="{1132488B-E83E-4726-A99B-C8791D64A6D9}" type="datetimeFigureOut">
               <a:rPr lang="zh-CN" altLang="en-US" smtClean="0"/>
-              <a:t>2020/12/1</a:t>
+              <a:t>2020/12/2</a:t>
             </a:fld>
             <a:endParaRPr lang="zh-CN" altLang="en-US"/>
           </a:p>
@@ -766,7 +775,7 @@
           <a:p>
             <a:fld id="{1132488B-E83E-4726-A99B-C8791D64A6D9}" type="datetimeFigureOut">
               <a:rPr lang="zh-CN" altLang="en-US" smtClean="0"/>
-              <a:t>2020/12/1</a:t>
+              <a:t>2020/12/2</a:t>
             </a:fld>
             <a:endParaRPr lang="zh-CN" altLang="en-US"/>
           </a:p>
@@ -1012,7 +1021,7 @@
           <a:p>
             <a:fld id="{1132488B-E83E-4726-A99B-C8791D64A6D9}" type="datetimeFigureOut">
               <a:rPr lang="zh-CN" altLang="en-US" smtClean="0"/>
-              <a:t>2020/12/1</a:t>
+              <a:t>2020/12/2</a:t>
             </a:fld>
             <a:endParaRPr lang="zh-CN" altLang="en-US"/>
           </a:p>
@@ -1244,7 +1253,7 @@
           <a:p>
             <a:fld id="{1132488B-E83E-4726-A99B-C8791D64A6D9}" type="datetimeFigureOut">
               <a:rPr lang="zh-CN" altLang="en-US" smtClean="0"/>
-              <a:t>2020/12/1</a:t>
+              <a:t>2020/12/2</a:t>
             </a:fld>
             <a:endParaRPr lang="zh-CN" altLang="en-US"/>
           </a:p>
@@ -1611,7 +1620,7 @@
           <a:p>
             <a:fld id="{1132488B-E83E-4726-A99B-C8791D64A6D9}" type="datetimeFigureOut">
               <a:rPr lang="zh-CN" altLang="en-US" smtClean="0"/>
-              <a:t>2020/12/1</a:t>
+              <a:t>2020/12/2</a:t>
             </a:fld>
             <a:endParaRPr lang="zh-CN" altLang="en-US"/>
           </a:p>
@@ -1729,7 +1738,7 @@
           <a:p>
             <a:fld id="{1132488B-E83E-4726-A99B-C8791D64A6D9}" type="datetimeFigureOut">
               <a:rPr lang="zh-CN" altLang="en-US" smtClean="0"/>
-              <a:t>2020/12/1</a:t>
+              <a:t>2020/12/2</a:t>
             </a:fld>
             <a:endParaRPr lang="zh-CN" altLang="en-US"/>
           </a:p>
@@ -1824,7 +1833,7 @@
           <a:p>
             <a:fld id="{1132488B-E83E-4726-A99B-C8791D64A6D9}" type="datetimeFigureOut">
               <a:rPr lang="zh-CN" altLang="en-US" smtClean="0"/>
-              <a:t>2020/12/1</a:t>
+              <a:t>2020/12/2</a:t>
             </a:fld>
             <a:endParaRPr lang="zh-CN" altLang="en-US"/>
           </a:p>
@@ -2101,7 +2110,7 @@
           <a:p>
             <a:fld id="{1132488B-E83E-4726-A99B-C8791D64A6D9}" type="datetimeFigureOut">
               <a:rPr lang="zh-CN" altLang="en-US" smtClean="0"/>
-              <a:t>2020/12/1</a:t>
+              <a:t>2020/12/2</a:t>
             </a:fld>
             <a:endParaRPr lang="zh-CN" altLang="en-US"/>
           </a:p>
@@ -2354,7 +2363,7 @@
           <a:p>
             <a:fld id="{1132488B-E83E-4726-A99B-C8791D64A6D9}" type="datetimeFigureOut">
               <a:rPr lang="zh-CN" altLang="en-US" smtClean="0"/>
-              <a:t>2020/12/1</a:t>
+              <a:t>2020/12/2</a:t>
             </a:fld>
             <a:endParaRPr lang="zh-CN" altLang="en-US"/>
           </a:p>
@@ -2567,7 +2576,7 @@
           <a:p>
             <a:fld id="{1132488B-E83E-4726-A99B-C8791D64A6D9}" type="datetimeFigureOut">
               <a:rPr lang="zh-CN" altLang="en-US" smtClean="0"/>
-              <a:t>2020/12/1</a:t>
+              <a:t>2020/12/2</a:t>
             </a:fld>
             <a:endParaRPr lang="zh-CN" altLang="en-US"/>
           </a:p>
@@ -2972,40 +2981,965 @@
           <a:chExt cx="0" cy="0"/>
         </a:xfrm>
       </p:grpSpPr>
-      <p:pic>
-        <p:nvPicPr>
-          <p:cNvPr id="5" name="图片 4"/>
-          <p:cNvPicPr>
-            <a:picLocks noChangeAspect="1"/>
-          </p:cNvPicPr>
+      <p:sp>
+        <p:nvSpPr>
+          <p:cNvPr id="4" name="矩形 3"/>
+          <p:cNvSpPr/>
           <p:nvPr/>
-        </p:nvPicPr>
-        <p:blipFill>
-          <a:blip r:embed="rId2">
-            <a:extLst>
-              <a:ext uri="{28A0092B-C50C-407E-A947-70E740481C1C}">
-                <a14:useLocalDpi xmlns:a14="http://schemas.microsoft.com/office/drawing/2010/main" val="0"/>
-              </a:ext>
-            </a:extLst>
-          </a:blip>
-          <a:stretch>
-            <a:fillRect/>
-          </a:stretch>
-        </p:blipFill>
+        </p:nvSpPr>
         <p:spPr>
           <a:xfrm>
-            <a:off x="1728633" y="1202978"/>
-            <a:ext cx="10058400" cy="5655022"/>
+            <a:off x="825500" y="0"/>
+            <a:ext cx="8750300" cy="5909310"/>
           </a:xfrm>
           <a:prstGeom prst="rect">
             <a:avLst/>
           </a:prstGeom>
         </p:spPr>
-      </p:pic>
+        <p:txBody>
+          <a:bodyPr wrap="square">
+            <a:spAutoFit/>
+          </a:bodyPr>
+          <a:lstStyle/>
+          <a:p>
+            <a:r>
+              <a:rPr lang="en-US" altLang="zh-CN" dirty="0">
+                <a:solidFill>
+                  <a:srgbClr val="000000"/>
+                </a:solidFill>
+                <a:latin typeface="Courier New" panose="02070409020205090404" pitchFamily="49" charset="0"/>
+              </a:rPr>
+              <a:t>1:k8s</a:t>
+            </a:r>
+            <a:r>
+              <a:rPr lang="zh-CN" altLang="en-US" dirty="0">
+                <a:solidFill>
+                  <a:srgbClr val="000000"/>
+                </a:solidFill>
+                <a:latin typeface="Courier New" panose="02070409020205090404" pitchFamily="49" charset="0"/>
+              </a:rPr>
+              <a:t>集群的安装 </a:t>
+            </a:r>
+            <a:endParaRPr lang="en-US" altLang="zh-CN" dirty="0" smtClean="0">
+              <a:solidFill>
+                <a:srgbClr val="000000"/>
+              </a:solidFill>
+              <a:latin typeface="Courier New" panose="02070409020205090404" pitchFamily="49" charset="0"/>
+            </a:endParaRPr>
+          </a:p>
+          <a:p>
+            <a:r>
+              <a:rPr lang="en-US" altLang="zh-CN" dirty="0" smtClean="0">
+                <a:solidFill>
+                  <a:srgbClr val="000000"/>
+                </a:solidFill>
+                <a:latin typeface="Courier New" panose="02070409020205090404" pitchFamily="49" charset="0"/>
+              </a:rPr>
+              <a:t>1.1 </a:t>
+            </a:r>
+            <a:r>
+              <a:rPr lang="en-US" altLang="zh-CN" dirty="0">
+                <a:solidFill>
+                  <a:srgbClr val="000000"/>
+                </a:solidFill>
+                <a:latin typeface="Courier New" panose="02070409020205090404" pitchFamily="49" charset="0"/>
+              </a:rPr>
+              <a:t>k8s</a:t>
+            </a:r>
+            <a:r>
+              <a:rPr lang="zh-CN" altLang="en-US" dirty="0">
+                <a:solidFill>
+                  <a:srgbClr val="000000"/>
+                </a:solidFill>
+                <a:latin typeface="Courier New" panose="02070409020205090404" pitchFamily="49" charset="0"/>
+              </a:rPr>
+              <a:t>集群的架构 </a:t>
+            </a:r>
+            <a:endParaRPr lang="en-US" altLang="zh-CN" dirty="0" smtClean="0">
+              <a:solidFill>
+                <a:srgbClr val="000000"/>
+              </a:solidFill>
+              <a:latin typeface="Courier New" panose="02070409020205090404" pitchFamily="49" charset="0"/>
+            </a:endParaRPr>
+          </a:p>
+          <a:p>
+            <a:r>
+              <a:rPr lang="en-US" altLang="zh-CN" dirty="0" smtClean="0">
+                <a:solidFill>
+                  <a:srgbClr val="000000"/>
+                </a:solidFill>
+                <a:latin typeface="Courier New" panose="02070409020205090404" pitchFamily="49" charset="0"/>
+              </a:rPr>
+              <a:t>master</a:t>
+            </a:r>
+            <a:r>
+              <a:rPr lang="zh-CN" altLang="en-US" dirty="0">
+                <a:solidFill>
+                  <a:srgbClr val="000000"/>
+                </a:solidFill>
+                <a:latin typeface="Courier New" panose="02070409020205090404" pitchFamily="49" charset="0"/>
+              </a:rPr>
+              <a:t>节点</a:t>
+            </a:r>
+            <a:r>
+              <a:rPr lang="en-US" altLang="zh-CN" dirty="0">
+                <a:solidFill>
+                  <a:srgbClr val="000000"/>
+                </a:solidFill>
+                <a:latin typeface="Courier New" panose="02070409020205090404" pitchFamily="49" charset="0"/>
+              </a:rPr>
+              <a:t>:</a:t>
+            </a:r>
+            <a:r>
+              <a:rPr lang="en-US" altLang="zh-CN" dirty="0" err="1">
+                <a:solidFill>
+                  <a:srgbClr val="000000"/>
+                </a:solidFill>
+                <a:latin typeface="Courier New" panose="02070409020205090404" pitchFamily="49" charset="0"/>
+              </a:rPr>
+              <a:t>etcd,api</a:t>
+            </a:r>
+            <a:r>
+              <a:rPr lang="en-US" altLang="zh-CN" dirty="0">
+                <a:solidFill>
+                  <a:srgbClr val="000000"/>
+                </a:solidFill>
+                <a:latin typeface="Courier New" panose="02070409020205090404" pitchFamily="49" charset="0"/>
+              </a:rPr>
+              <a:t>-</a:t>
+            </a:r>
+            <a:r>
+              <a:rPr lang="en-US" altLang="zh-CN" dirty="0" err="1">
+                <a:solidFill>
+                  <a:srgbClr val="000000"/>
+                </a:solidFill>
+                <a:latin typeface="Courier New" panose="02070409020205090404" pitchFamily="49" charset="0"/>
+              </a:rPr>
+              <a:t>server,scheduler,controller</a:t>
+            </a:r>
+            <a:r>
+              <a:rPr lang="en-US" altLang="zh-CN" dirty="0">
+                <a:solidFill>
+                  <a:srgbClr val="000000"/>
+                </a:solidFill>
+                <a:latin typeface="Courier New" panose="02070409020205090404" pitchFamily="49" charset="0"/>
+              </a:rPr>
+              <a:t>-manager </a:t>
+            </a:r>
+            <a:endParaRPr lang="en-US" altLang="zh-CN" dirty="0" smtClean="0">
+              <a:solidFill>
+                <a:srgbClr val="000000"/>
+              </a:solidFill>
+              <a:latin typeface="Courier New" panose="02070409020205090404" pitchFamily="49" charset="0"/>
+            </a:endParaRPr>
+          </a:p>
+          <a:p>
+            <a:r>
+              <a:rPr lang="en-US" altLang="zh-CN" dirty="0" smtClean="0">
+                <a:solidFill>
+                  <a:srgbClr val="000000"/>
+                </a:solidFill>
+                <a:latin typeface="Courier New" panose="02070409020205090404" pitchFamily="49" charset="0"/>
+              </a:rPr>
+              <a:t>node</a:t>
+            </a:r>
+            <a:r>
+              <a:rPr lang="zh-CN" altLang="en-US" dirty="0">
+                <a:solidFill>
+                  <a:srgbClr val="000000"/>
+                </a:solidFill>
+                <a:latin typeface="Courier New" panose="02070409020205090404" pitchFamily="49" charset="0"/>
+              </a:rPr>
+              <a:t>节点</a:t>
+            </a:r>
+            <a:r>
+              <a:rPr lang="en-US" altLang="zh-CN" dirty="0">
+                <a:solidFill>
+                  <a:srgbClr val="000000"/>
+                </a:solidFill>
+                <a:latin typeface="Courier New" panose="02070409020205090404" pitchFamily="49" charset="0"/>
+              </a:rPr>
+              <a:t>:</a:t>
+            </a:r>
+            <a:r>
+              <a:rPr lang="en-US" altLang="zh-CN" dirty="0" err="1">
+                <a:solidFill>
+                  <a:srgbClr val="000000"/>
+                </a:solidFill>
+                <a:latin typeface="Courier New" panose="02070409020205090404" pitchFamily="49" charset="0"/>
+              </a:rPr>
+              <a:t>kubelet,kube</a:t>
+            </a:r>
+            <a:r>
+              <a:rPr lang="en-US" altLang="zh-CN" dirty="0">
+                <a:solidFill>
+                  <a:srgbClr val="000000"/>
+                </a:solidFill>
+                <a:latin typeface="Courier New" panose="02070409020205090404" pitchFamily="49" charset="0"/>
+              </a:rPr>
+              <a:t>-proxy </a:t>
+            </a:r>
+            <a:endParaRPr lang="en-US" altLang="zh-CN" dirty="0" smtClean="0">
+              <a:solidFill>
+                <a:srgbClr val="000000"/>
+              </a:solidFill>
+              <a:latin typeface="Courier New" panose="02070409020205090404" pitchFamily="49" charset="0"/>
+            </a:endParaRPr>
+          </a:p>
+          <a:p>
+            <a:r>
+              <a:rPr lang="en-US" altLang="zh-CN" dirty="0" err="1" smtClean="0">
+                <a:solidFill>
+                  <a:srgbClr val="000000"/>
+                </a:solidFill>
+                <a:latin typeface="Courier New" panose="02070409020205090404" pitchFamily="49" charset="0"/>
+              </a:rPr>
+              <a:t>etcd</a:t>
+            </a:r>
+            <a:r>
+              <a:rPr lang="zh-CN" altLang="en-US" dirty="0">
+                <a:solidFill>
+                  <a:srgbClr val="000000"/>
+                </a:solidFill>
+                <a:latin typeface="Courier New" panose="02070409020205090404" pitchFamily="49" charset="0"/>
+              </a:rPr>
+              <a:t>的作用</a:t>
+            </a:r>
+            <a:r>
+              <a:rPr lang="en-US" altLang="zh-CN" dirty="0">
+                <a:solidFill>
+                  <a:srgbClr val="000000"/>
+                </a:solidFill>
+                <a:latin typeface="Courier New" panose="02070409020205090404" pitchFamily="49" charset="0"/>
+              </a:rPr>
+              <a:t>:</a:t>
+            </a:r>
+            <a:r>
+              <a:rPr lang="zh-CN" altLang="en-US" dirty="0">
+                <a:solidFill>
+                  <a:srgbClr val="000000"/>
+                </a:solidFill>
+                <a:latin typeface="Courier New" panose="02070409020205090404" pitchFamily="49" charset="0"/>
+              </a:rPr>
+              <a:t>数据库 </a:t>
+            </a:r>
+            <a:endParaRPr lang="en-US" altLang="zh-CN" dirty="0" smtClean="0">
+              <a:solidFill>
+                <a:srgbClr val="000000"/>
+              </a:solidFill>
+              <a:latin typeface="Courier New" panose="02070409020205090404" pitchFamily="49" charset="0"/>
+            </a:endParaRPr>
+          </a:p>
+          <a:p>
+            <a:r>
+              <a:rPr lang="en-US" altLang="zh-CN" dirty="0" err="1" smtClean="0">
+                <a:solidFill>
+                  <a:srgbClr val="000000"/>
+                </a:solidFill>
+                <a:latin typeface="Courier New" panose="02070409020205090404" pitchFamily="49" charset="0"/>
+              </a:rPr>
+              <a:t>api</a:t>
+            </a:r>
+            <a:r>
+              <a:rPr lang="en-US" altLang="zh-CN" dirty="0" smtClean="0">
+                <a:solidFill>
+                  <a:srgbClr val="000000"/>
+                </a:solidFill>
+                <a:latin typeface="Courier New" panose="02070409020205090404" pitchFamily="49" charset="0"/>
+              </a:rPr>
+              <a:t>-server</a:t>
+            </a:r>
+            <a:r>
+              <a:rPr lang="en-US" altLang="zh-CN" dirty="0">
+                <a:solidFill>
+                  <a:srgbClr val="000000"/>
+                </a:solidFill>
+                <a:latin typeface="Courier New" panose="02070409020205090404" pitchFamily="49" charset="0"/>
+              </a:rPr>
+              <a:t>:</a:t>
+            </a:r>
+            <a:r>
+              <a:rPr lang="zh-CN" altLang="en-US" dirty="0">
+                <a:solidFill>
+                  <a:srgbClr val="000000"/>
+                </a:solidFill>
+                <a:latin typeface="Courier New" panose="02070409020205090404" pitchFamily="49" charset="0"/>
+              </a:rPr>
+              <a:t>核心服务 </a:t>
+            </a:r>
+            <a:endParaRPr lang="en-US" altLang="zh-CN" dirty="0" smtClean="0">
+              <a:solidFill>
+                <a:srgbClr val="000000"/>
+              </a:solidFill>
+              <a:latin typeface="Courier New" panose="02070409020205090404" pitchFamily="49" charset="0"/>
+            </a:endParaRPr>
+          </a:p>
+          <a:p>
+            <a:r>
+              <a:rPr lang="en-US" altLang="zh-CN" dirty="0" smtClean="0">
+                <a:solidFill>
+                  <a:srgbClr val="000000"/>
+                </a:solidFill>
+                <a:latin typeface="Courier New" panose="02070409020205090404" pitchFamily="49" charset="0"/>
+              </a:rPr>
+              <a:t>controller-manager</a:t>
+            </a:r>
+            <a:r>
+              <a:rPr lang="en-US" altLang="zh-CN" dirty="0">
+                <a:solidFill>
+                  <a:srgbClr val="000000"/>
+                </a:solidFill>
+                <a:latin typeface="Courier New" panose="02070409020205090404" pitchFamily="49" charset="0"/>
+              </a:rPr>
+              <a:t>: </a:t>
+            </a:r>
+            <a:r>
+              <a:rPr lang="zh-CN" altLang="en-US" dirty="0">
+                <a:solidFill>
+                  <a:srgbClr val="000000"/>
+                </a:solidFill>
+                <a:latin typeface="Courier New" panose="02070409020205090404" pitchFamily="49" charset="0"/>
+              </a:rPr>
+              <a:t>控制器管理 </a:t>
+            </a:r>
+            <a:r>
+              <a:rPr lang="en-US" altLang="zh-CN" dirty="0" err="1">
+                <a:solidFill>
+                  <a:srgbClr val="000000"/>
+                </a:solidFill>
+                <a:latin typeface="Courier New" panose="02070409020205090404" pitchFamily="49" charset="0"/>
+              </a:rPr>
+              <a:t>rc</a:t>
+            </a:r>
+            <a:r>
+              <a:rPr lang="en-US" altLang="zh-CN" dirty="0">
+                <a:solidFill>
+                  <a:srgbClr val="000000"/>
+                </a:solidFill>
+                <a:latin typeface="Courier New" panose="02070409020205090404" pitchFamily="49" charset="0"/>
+              </a:rPr>
+              <a:t> </a:t>
+            </a:r>
+            <a:endParaRPr lang="en-US" altLang="zh-CN" dirty="0" smtClean="0">
+              <a:solidFill>
+                <a:srgbClr val="000000"/>
+              </a:solidFill>
+              <a:latin typeface="Courier New" panose="02070409020205090404" pitchFamily="49" charset="0"/>
+            </a:endParaRPr>
+          </a:p>
+          <a:p>
+            <a:r>
+              <a:rPr lang="en-US" altLang="zh-CN" dirty="0" smtClean="0">
+                <a:solidFill>
+                  <a:srgbClr val="000000"/>
+                </a:solidFill>
+                <a:latin typeface="Courier New" panose="02070409020205090404" pitchFamily="49" charset="0"/>
+              </a:rPr>
+              <a:t>scheduler</a:t>
+            </a:r>
+            <a:r>
+              <a:rPr lang="en-US" altLang="zh-CN" dirty="0">
+                <a:solidFill>
+                  <a:srgbClr val="000000"/>
+                </a:solidFill>
+                <a:latin typeface="Courier New" panose="02070409020205090404" pitchFamily="49" charset="0"/>
+              </a:rPr>
+              <a:t>: </a:t>
+            </a:r>
+            <a:r>
+              <a:rPr lang="zh-CN" altLang="en-US" dirty="0">
+                <a:solidFill>
+                  <a:srgbClr val="000000"/>
+                </a:solidFill>
+                <a:latin typeface="Courier New" panose="02070409020205090404" pitchFamily="49" charset="0"/>
+              </a:rPr>
+              <a:t>创建新</a:t>
+            </a:r>
+            <a:r>
+              <a:rPr lang="en-US" altLang="zh-CN" dirty="0">
+                <a:solidFill>
+                  <a:srgbClr val="000000"/>
+                </a:solidFill>
+                <a:latin typeface="Courier New" panose="02070409020205090404" pitchFamily="49" charset="0"/>
+              </a:rPr>
+              <a:t>pod,</a:t>
+            </a:r>
+            <a:r>
+              <a:rPr lang="zh-CN" altLang="en-US" dirty="0">
+                <a:solidFill>
+                  <a:srgbClr val="000000"/>
+                </a:solidFill>
+                <a:latin typeface="Courier New" panose="02070409020205090404" pitchFamily="49" charset="0"/>
+              </a:rPr>
+              <a:t>选择合适的节点 </a:t>
+            </a:r>
+            <a:endParaRPr lang="en-US" altLang="zh-CN" dirty="0" smtClean="0">
+              <a:solidFill>
+                <a:srgbClr val="000000"/>
+              </a:solidFill>
+              <a:latin typeface="Courier New" panose="02070409020205090404" pitchFamily="49" charset="0"/>
+            </a:endParaRPr>
+          </a:p>
+          <a:p>
+            <a:r>
+              <a:rPr lang="en-US" altLang="zh-CN" dirty="0" err="1" smtClean="0">
+                <a:solidFill>
+                  <a:srgbClr val="000000"/>
+                </a:solidFill>
+                <a:latin typeface="Courier New" panose="02070409020205090404" pitchFamily="49" charset="0"/>
+              </a:rPr>
+              <a:t>kubelet</a:t>
+            </a:r>
+            <a:r>
+              <a:rPr lang="en-US" altLang="zh-CN" dirty="0">
+                <a:solidFill>
+                  <a:srgbClr val="000000"/>
+                </a:solidFill>
+                <a:latin typeface="Courier New" panose="02070409020205090404" pitchFamily="49" charset="0"/>
+              </a:rPr>
+              <a:t>: </a:t>
+            </a:r>
+            <a:r>
+              <a:rPr lang="zh-CN" altLang="en-US" dirty="0">
+                <a:solidFill>
+                  <a:srgbClr val="000000"/>
+                </a:solidFill>
+                <a:latin typeface="Courier New" panose="02070409020205090404" pitchFamily="49" charset="0"/>
+              </a:rPr>
+              <a:t>调用</a:t>
+            </a:r>
+            <a:r>
+              <a:rPr lang="en-US" altLang="zh-CN" dirty="0" err="1">
+                <a:solidFill>
+                  <a:srgbClr val="000000"/>
+                </a:solidFill>
+                <a:latin typeface="Courier New" panose="02070409020205090404" pitchFamily="49" charset="0"/>
+              </a:rPr>
+              <a:t>docker</a:t>
+            </a:r>
+            <a:r>
+              <a:rPr lang="zh-CN" altLang="en-US" dirty="0">
+                <a:solidFill>
+                  <a:srgbClr val="000000"/>
+                </a:solidFill>
+                <a:latin typeface="Courier New" panose="02070409020205090404" pitchFamily="49" charset="0"/>
+              </a:rPr>
+              <a:t>来创建容器 </a:t>
+            </a:r>
+            <a:endParaRPr lang="en-US" altLang="zh-CN" dirty="0" smtClean="0">
+              <a:solidFill>
+                <a:srgbClr val="000000"/>
+              </a:solidFill>
+              <a:latin typeface="Courier New" panose="02070409020205090404" pitchFamily="49" charset="0"/>
+            </a:endParaRPr>
+          </a:p>
+          <a:p>
+            <a:r>
+              <a:rPr lang="en-US" altLang="zh-CN" dirty="0" err="1" smtClean="0">
+                <a:solidFill>
+                  <a:srgbClr val="000000"/>
+                </a:solidFill>
+                <a:latin typeface="Courier New" panose="02070409020205090404" pitchFamily="49" charset="0"/>
+              </a:rPr>
+              <a:t>kube</a:t>
+            </a:r>
+            <a:r>
+              <a:rPr lang="en-US" altLang="zh-CN" dirty="0" smtClean="0">
+                <a:solidFill>
+                  <a:srgbClr val="000000"/>
+                </a:solidFill>
+                <a:latin typeface="Courier New" panose="02070409020205090404" pitchFamily="49" charset="0"/>
+              </a:rPr>
+              <a:t>-proxy</a:t>
+            </a:r>
+            <a:r>
+              <a:rPr lang="en-US" altLang="zh-CN" dirty="0">
+                <a:solidFill>
+                  <a:srgbClr val="000000"/>
+                </a:solidFill>
+                <a:latin typeface="Courier New" panose="02070409020205090404" pitchFamily="49" charset="0"/>
+              </a:rPr>
+              <a:t>: </a:t>
+            </a:r>
+            <a:r>
+              <a:rPr lang="zh-CN" altLang="en-US" dirty="0">
+                <a:solidFill>
+                  <a:srgbClr val="000000"/>
+                </a:solidFill>
+                <a:latin typeface="Courier New" panose="02070409020205090404" pitchFamily="49" charset="0"/>
+              </a:rPr>
+              <a:t>对外提供用户访问</a:t>
+            </a:r>
+            <a:r>
+              <a:rPr lang="en-US" altLang="zh-CN" dirty="0">
+                <a:solidFill>
+                  <a:srgbClr val="000000"/>
+                </a:solidFill>
+                <a:latin typeface="Courier New" panose="02070409020205090404" pitchFamily="49" charset="0"/>
+              </a:rPr>
+              <a:t>,</a:t>
+            </a:r>
+            <a:r>
+              <a:rPr lang="zh-CN" altLang="en-US" dirty="0">
+                <a:solidFill>
+                  <a:srgbClr val="000000"/>
+                </a:solidFill>
+                <a:latin typeface="Courier New" panose="02070409020205090404" pitchFamily="49" charset="0"/>
+              </a:rPr>
+              <a:t>对内提供一个负载均衡器 </a:t>
+            </a:r>
+            <a:endParaRPr lang="en-US" altLang="zh-CN" dirty="0" smtClean="0">
+              <a:solidFill>
+                <a:srgbClr val="000000"/>
+              </a:solidFill>
+              <a:latin typeface="Courier New" panose="02070409020205090404" pitchFamily="49" charset="0"/>
+            </a:endParaRPr>
+          </a:p>
+          <a:p>
+            <a:endParaRPr lang="en-US" altLang="zh-CN" dirty="0" smtClean="0">
+              <a:solidFill>
+                <a:srgbClr val="000000"/>
+              </a:solidFill>
+              <a:latin typeface="Courier New" panose="02070409020205090404" pitchFamily="49" charset="0"/>
+            </a:endParaRPr>
+          </a:p>
+          <a:p>
+            <a:r>
+              <a:rPr lang="en-US" altLang="zh-CN" dirty="0" smtClean="0">
+                <a:solidFill>
+                  <a:srgbClr val="000000"/>
+                </a:solidFill>
+                <a:latin typeface="Courier New" panose="02070409020205090404" pitchFamily="49" charset="0"/>
+              </a:rPr>
+              <a:t>1.6 </a:t>
+            </a:r>
+            <a:r>
+              <a:rPr lang="en-US" altLang="zh-CN" dirty="0">
+                <a:solidFill>
+                  <a:srgbClr val="000000"/>
+                </a:solidFill>
+                <a:latin typeface="Courier New" panose="02070409020205090404" pitchFamily="49" charset="0"/>
+              </a:rPr>
+              <a:t>:</a:t>
+            </a:r>
+            <a:r>
+              <a:rPr lang="zh-CN" altLang="en-US" dirty="0">
+                <a:solidFill>
+                  <a:srgbClr val="000000"/>
+                </a:solidFill>
+                <a:latin typeface="Courier New" panose="02070409020205090404" pitchFamily="49" charset="0"/>
+              </a:rPr>
+              <a:t>所有节点配置</a:t>
+            </a:r>
+            <a:r>
+              <a:rPr lang="en-US" altLang="zh-CN" dirty="0">
+                <a:solidFill>
+                  <a:srgbClr val="000000"/>
+                </a:solidFill>
+                <a:latin typeface="Courier New" panose="02070409020205090404" pitchFamily="49" charset="0"/>
+              </a:rPr>
+              <a:t>flannel</a:t>
+            </a:r>
+            <a:r>
+              <a:rPr lang="zh-CN" altLang="en-US" dirty="0">
+                <a:solidFill>
+                  <a:srgbClr val="000000"/>
+                </a:solidFill>
+                <a:latin typeface="Courier New" panose="02070409020205090404" pitchFamily="49" charset="0"/>
+              </a:rPr>
+              <a:t>网络 </a:t>
+            </a:r>
+            <a:endParaRPr lang="en-US" altLang="zh-CN" dirty="0" smtClean="0">
+              <a:solidFill>
+                <a:srgbClr val="000000"/>
+              </a:solidFill>
+              <a:latin typeface="Courier New" panose="02070409020205090404" pitchFamily="49" charset="0"/>
+            </a:endParaRPr>
+          </a:p>
+          <a:p>
+            <a:r>
+              <a:rPr lang="zh-CN" altLang="en-US" dirty="0" smtClean="0">
+                <a:solidFill>
+                  <a:srgbClr val="000000"/>
+                </a:solidFill>
+                <a:latin typeface="Courier New" panose="02070409020205090404" pitchFamily="49" charset="0"/>
+              </a:rPr>
+              <a:t>跨</a:t>
+            </a:r>
+            <a:r>
+              <a:rPr lang="zh-CN" altLang="en-US" dirty="0">
+                <a:solidFill>
+                  <a:srgbClr val="000000"/>
+                </a:solidFill>
+                <a:latin typeface="Courier New" panose="02070409020205090404" pitchFamily="49" charset="0"/>
+              </a:rPr>
+              <a:t>节点容器间的通信 </a:t>
+            </a:r>
+            <a:endParaRPr lang="en-US" altLang="zh-CN" dirty="0" smtClean="0">
+              <a:solidFill>
+                <a:srgbClr val="000000"/>
+              </a:solidFill>
+              <a:latin typeface="Courier New" panose="02070409020205090404" pitchFamily="49" charset="0"/>
+            </a:endParaRPr>
+          </a:p>
+          <a:p>
+            <a:r>
+              <a:rPr lang="en-US" altLang="zh-CN" dirty="0" smtClean="0">
+                <a:solidFill>
+                  <a:srgbClr val="000000"/>
+                </a:solidFill>
+                <a:latin typeface="Courier New" panose="02070409020205090404" pitchFamily="49" charset="0"/>
+              </a:rPr>
+              <a:t>a</a:t>
+            </a:r>
+            <a:r>
+              <a:rPr lang="en-US" altLang="zh-CN" dirty="0">
+                <a:solidFill>
+                  <a:srgbClr val="000000"/>
+                </a:solidFill>
+                <a:latin typeface="Courier New" panose="02070409020205090404" pitchFamily="49" charset="0"/>
+              </a:rPr>
+              <a:t>:</a:t>
+            </a:r>
+            <a:r>
+              <a:rPr lang="zh-CN" altLang="en-US" dirty="0">
+                <a:solidFill>
+                  <a:srgbClr val="000000"/>
+                </a:solidFill>
+                <a:latin typeface="Courier New" panose="02070409020205090404" pitchFamily="49" charset="0"/>
+              </a:rPr>
+              <a:t>安装</a:t>
+            </a:r>
+            <a:r>
+              <a:rPr lang="en-US" altLang="zh-CN" dirty="0" err="1">
+                <a:solidFill>
+                  <a:srgbClr val="000000"/>
+                </a:solidFill>
+                <a:latin typeface="Courier New" panose="02070409020205090404" pitchFamily="49" charset="0"/>
+              </a:rPr>
+              <a:t>etcd</a:t>
+            </a:r>
+            <a:r>
+              <a:rPr lang="en-US" altLang="zh-CN" dirty="0">
+                <a:solidFill>
+                  <a:srgbClr val="000000"/>
+                </a:solidFill>
+                <a:latin typeface="Courier New" panose="02070409020205090404" pitchFamily="49" charset="0"/>
+              </a:rPr>
+              <a:t> </a:t>
+            </a:r>
+            <a:endParaRPr lang="en-US" altLang="zh-CN" dirty="0" smtClean="0">
+              <a:solidFill>
+                <a:srgbClr val="000000"/>
+              </a:solidFill>
+              <a:latin typeface="Courier New" panose="02070409020205090404" pitchFamily="49" charset="0"/>
+            </a:endParaRPr>
+          </a:p>
+          <a:p>
+            <a:r>
+              <a:rPr lang="en-US" altLang="zh-CN" dirty="0" smtClean="0">
+                <a:solidFill>
+                  <a:srgbClr val="000000"/>
+                </a:solidFill>
+                <a:latin typeface="Courier New" panose="02070409020205090404" pitchFamily="49" charset="0"/>
+              </a:rPr>
+              <a:t>b</a:t>
+            </a:r>
+            <a:r>
+              <a:rPr lang="en-US" altLang="zh-CN" dirty="0">
+                <a:solidFill>
+                  <a:srgbClr val="000000"/>
+                </a:solidFill>
+                <a:latin typeface="Courier New" panose="02070409020205090404" pitchFamily="49" charset="0"/>
+              </a:rPr>
+              <a:t>:</a:t>
+            </a:r>
+            <a:r>
+              <a:rPr lang="zh-CN" altLang="en-US" dirty="0">
+                <a:solidFill>
+                  <a:srgbClr val="000000"/>
+                </a:solidFill>
+                <a:latin typeface="Courier New" panose="02070409020205090404" pitchFamily="49" charset="0"/>
+              </a:rPr>
+              <a:t>安装配置启动</a:t>
+            </a:r>
+            <a:r>
+              <a:rPr lang="en-US" altLang="zh-CN" dirty="0">
+                <a:solidFill>
+                  <a:srgbClr val="000000"/>
+                </a:solidFill>
+                <a:latin typeface="Courier New" panose="02070409020205090404" pitchFamily="49" charset="0"/>
+              </a:rPr>
+              <a:t>flannel </a:t>
+            </a:r>
+            <a:endParaRPr lang="en-US" altLang="zh-CN" dirty="0" smtClean="0">
+              <a:solidFill>
+                <a:srgbClr val="000000"/>
+              </a:solidFill>
+              <a:latin typeface="Courier New" panose="02070409020205090404" pitchFamily="49" charset="0"/>
+            </a:endParaRPr>
+          </a:p>
+          <a:p>
+            <a:r>
+              <a:rPr lang="en-US" altLang="zh-CN" dirty="0" smtClean="0">
+                <a:solidFill>
+                  <a:srgbClr val="000000"/>
+                </a:solidFill>
+                <a:latin typeface="Courier New" panose="02070409020205090404" pitchFamily="49" charset="0"/>
+              </a:rPr>
+              <a:t>c</a:t>
+            </a:r>
+            <a:r>
+              <a:rPr lang="en-US" altLang="zh-CN" dirty="0">
+                <a:solidFill>
+                  <a:srgbClr val="000000"/>
+                </a:solidFill>
+                <a:latin typeface="Courier New" panose="02070409020205090404" pitchFamily="49" charset="0"/>
+              </a:rPr>
+              <a:t>:</a:t>
+            </a:r>
+            <a:r>
+              <a:rPr lang="zh-CN" altLang="en-US" dirty="0">
+                <a:solidFill>
+                  <a:srgbClr val="000000"/>
+                </a:solidFill>
+                <a:latin typeface="Courier New" panose="02070409020205090404" pitchFamily="49" charset="0"/>
+              </a:rPr>
+              <a:t>重启</a:t>
+            </a:r>
+            <a:r>
+              <a:rPr lang="en-US" altLang="zh-CN" dirty="0" err="1">
+                <a:solidFill>
+                  <a:srgbClr val="000000"/>
+                </a:solidFill>
+                <a:latin typeface="Courier New" panose="02070409020205090404" pitchFamily="49" charset="0"/>
+              </a:rPr>
+              <a:t>docker</a:t>
+            </a:r>
+            <a:r>
+              <a:rPr lang="zh-CN" altLang="en-US" dirty="0">
+                <a:solidFill>
+                  <a:srgbClr val="000000"/>
+                </a:solidFill>
+                <a:latin typeface="Courier New" panose="02070409020205090404" pitchFamily="49" charset="0"/>
+              </a:rPr>
+              <a:t>生效 </a:t>
+            </a:r>
+            <a:endParaRPr lang="en-US" altLang="zh-CN" dirty="0" smtClean="0">
+              <a:solidFill>
+                <a:srgbClr val="000000"/>
+              </a:solidFill>
+              <a:latin typeface="Courier New" panose="02070409020205090404" pitchFamily="49" charset="0"/>
+            </a:endParaRPr>
+          </a:p>
+          <a:p>
+            <a:endParaRPr lang="en-US" altLang="zh-CN" dirty="0" smtClean="0">
+              <a:solidFill>
+                <a:srgbClr val="000000"/>
+              </a:solidFill>
+              <a:latin typeface="Courier New" panose="02070409020205090404" pitchFamily="49" charset="0"/>
+            </a:endParaRPr>
+          </a:p>
+          <a:p>
+            <a:r>
+              <a:rPr lang="en-US" altLang="zh-CN" dirty="0" smtClean="0">
+                <a:solidFill>
+                  <a:srgbClr val="000000"/>
+                </a:solidFill>
+                <a:latin typeface="Courier New" panose="02070409020205090404" pitchFamily="49" charset="0"/>
+              </a:rPr>
+              <a:t>1.7 </a:t>
+            </a:r>
+            <a:r>
+              <a:rPr lang="en-US" altLang="zh-CN" dirty="0">
+                <a:solidFill>
+                  <a:srgbClr val="000000"/>
+                </a:solidFill>
+                <a:latin typeface="Courier New" panose="02070409020205090404" pitchFamily="49" charset="0"/>
+              </a:rPr>
+              <a:t>:</a:t>
+            </a:r>
+            <a:r>
+              <a:rPr lang="zh-CN" altLang="en-US" dirty="0">
+                <a:solidFill>
+                  <a:srgbClr val="000000"/>
+                </a:solidFill>
+                <a:latin typeface="Courier New" panose="02070409020205090404" pitchFamily="49" charset="0"/>
+              </a:rPr>
+              <a:t>配置</a:t>
+            </a:r>
+            <a:r>
+              <a:rPr lang="en-US" altLang="zh-CN" dirty="0">
+                <a:solidFill>
+                  <a:srgbClr val="000000"/>
+                </a:solidFill>
+                <a:latin typeface="Courier New" panose="02070409020205090404" pitchFamily="49" charset="0"/>
+              </a:rPr>
+              <a:t>master</a:t>
+            </a:r>
+            <a:r>
+              <a:rPr lang="zh-CN" altLang="en-US" dirty="0">
+                <a:solidFill>
+                  <a:srgbClr val="000000"/>
+                </a:solidFill>
+                <a:latin typeface="Courier New" panose="02070409020205090404" pitchFamily="49" charset="0"/>
+              </a:rPr>
+              <a:t>为</a:t>
+            </a:r>
+            <a:r>
+              <a:rPr lang="en-US" altLang="zh-CN" dirty="0" err="1">
+                <a:solidFill>
+                  <a:srgbClr val="000000"/>
+                </a:solidFill>
+                <a:latin typeface="Courier New" panose="02070409020205090404" pitchFamily="49" charset="0"/>
+              </a:rPr>
+              <a:t>docker</a:t>
+            </a:r>
+            <a:r>
+              <a:rPr lang="zh-CN" altLang="en-US" dirty="0">
+                <a:solidFill>
+                  <a:srgbClr val="000000"/>
+                </a:solidFill>
+                <a:latin typeface="Courier New" panose="02070409020205090404" pitchFamily="49" charset="0"/>
+              </a:rPr>
+              <a:t>镜像私有仓库 </a:t>
+            </a:r>
+            <a:endParaRPr lang="en-US" altLang="zh-CN" dirty="0" smtClean="0">
+              <a:solidFill>
+                <a:srgbClr val="000000"/>
+              </a:solidFill>
+              <a:latin typeface="Courier New" panose="02070409020205090404" pitchFamily="49" charset="0"/>
+            </a:endParaRPr>
+          </a:p>
+          <a:p>
+            <a:r>
+              <a:rPr lang="en-US" altLang="zh-CN" dirty="0" smtClean="0">
+                <a:solidFill>
+                  <a:srgbClr val="000000"/>
+                </a:solidFill>
+                <a:latin typeface="Courier New" panose="02070409020205090404" pitchFamily="49" charset="0"/>
+              </a:rPr>
+              <a:t>a</a:t>
+            </a:r>
+            <a:r>
+              <a:rPr lang="en-US" altLang="zh-CN" dirty="0">
+                <a:solidFill>
+                  <a:srgbClr val="000000"/>
+                </a:solidFill>
+                <a:latin typeface="Courier New" panose="02070409020205090404" pitchFamily="49" charset="0"/>
+              </a:rPr>
+              <a:t>:</a:t>
+            </a:r>
+            <a:r>
+              <a:rPr lang="zh-CN" altLang="en-US" dirty="0">
+                <a:solidFill>
+                  <a:srgbClr val="000000"/>
+                </a:solidFill>
+                <a:latin typeface="Courier New" panose="02070409020205090404" pitchFamily="49" charset="0"/>
+              </a:rPr>
+              <a:t>速度快 </a:t>
+            </a:r>
+            <a:r>
+              <a:rPr lang="en-US" altLang="zh-CN" dirty="0">
+                <a:solidFill>
+                  <a:srgbClr val="000000"/>
+                </a:solidFill>
+                <a:latin typeface="Courier New" panose="02070409020205090404" pitchFamily="49" charset="0"/>
+              </a:rPr>
+              <a:t>b:</a:t>
+            </a:r>
+            <a:r>
+              <a:rPr lang="zh-CN" altLang="en-US" dirty="0">
+                <a:solidFill>
+                  <a:srgbClr val="000000"/>
+                </a:solidFill>
+                <a:latin typeface="Courier New" panose="02070409020205090404" pitchFamily="49" charset="0"/>
+              </a:rPr>
+              <a:t>保护隐私 </a:t>
+            </a:r>
+            <a:endParaRPr lang="en-US" altLang="zh-CN" dirty="0" smtClean="0">
+              <a:solidFill>
+                <a:srgbClr val="000000"/>
+              </a:solidFill>
+              <a:latin typeface="Courier New" panose="02070409020205090404" pitchFamily="49" charset="0"/>
+            </a:endParaRPr>
+          </a:p>
+          <a:p>
+            <a:r>
+              <a:rPr lang="en-US" altLang="zh-CN" dirty="0" smtClean="0">
+                <a:solidFill>
+                  <a:srgbClr val="000000"/>
+                </a:solidFill>
+                <a:latin typeface="Courier New" panose="02070409020205090404" pitchFamily="49" charset="0"/>
+              </a:rPr>
+              <a:t>2</a:t>
+            </a:r>
+            <a:r>
+              <a:rPr lang="en-US" altLang="zh-CN" dirty="0">
+                <a:solidFill>
+                  <a:srgbClr val="000000"/>
+                </a:solidFill>
+                <a:latin typeface="Courier New" panose="02070409020205090404" pitchFamily="49" charset="0"/>
+              </a:rPr>
+              <a:t>:</a:t>
+            </a:r>
+            <a:r>
+              <a:rPr lang="zh-CN" altLang="en-US" dirty="0">
+                <a:solidFill>
+                  <a:srgbClr val="000000"/>
+                </a:solidFill>
+                <a:latin typeface="Courier New" panose="02070409020205090404" pitchFamily="49" charset="0"/>
+              </a:rPr>
+              <a:t>什么是</a:t>
+            </a:r>
+            <a:r>
+              <a:rPr lang="en-US" altLang="zh-CN" dirty="0">
+                <a:solidFill>
+                  <a:srgbClr val="000000"/>
+                </a:solidFill>
+                <a:latin typeface="Courier New" panose="02070409020205090404" pitchFamily="49" charset="0"/>
+              </a:rPr>
+              <a:t>k8s,k8s</a:t>
+            </a:r>
+            <a:r>
+              <a:rPr lang="zh-CN" altLang="en-US" dirty="0">
+                <a:solidFill>
+                  <a:srgbClr val="000000"/>
+                </a:solidFill>
+                <a:latin typeface="Courier New" panose="02070409020205090404" pitchFamily="49" charset="0"/>
+              </a:rPr>
+              <a:t>有什么功能</a:t>
+            </a:r>
+            <a:r>
+              <a:rPr lang="en-US" altLang="zh-CN" dirty="0">
+                <a:solidFill>
+                  <a:srgbClr val="000000"/>
+                </a:solidFill>
+                <a:latin typeface="Courier New" panose="02070409020205090404" pitchFamily="49" charset="0"/>
+              </a:rPr>
+              <a:t>? </a:t>
+            </a:r>
+            <a:endParaRPr lang="en-US" altLang="zh-CN" dirty="0" smtClean="0">
+              <a:solidFill>
+                <a:srgbClr val="000000"/>
+              </a:solidFill>
+              <a:latin typeface="Courier New" panose="02070409020205090404" pitchFamily="49" charset="0"/>
+            </a:endParaRPr>
+          </a:p>
+          <a:p>
+            <a:endParaRPr lang="en-US" altLang="zh-CN" dirty="0" smtClean="0">
+              <a:solidFill>
+                <a:srgbClr val="000000"/>
+              </a:solidFill>
+              <a:latin typeface="Courier New" panose="02070409020205090404" pitchFamily="49" charset="0"/>
+            </a:endParaRPr>
+          </a:p>
+        </p:txBody>
+      </p:sp>
     </p:spTree>
     <p:extLst>
       <p:ext uri="{BB962C8B-B14F-4D97-AF65-F5344CB8AC3E}">
-        <p14:creationId xmlns:p14="http://schemas.microsoft.com/office/powerpoint/2010/main" val="3040105351"/>
+        <p14:creationId xmlns:p14="http://schemas.microsoft.com/office/powerpoint/2010/main" val="2224053013"/>
       </p:ext>
     </p:extLst>
   </p:cSld>
@@ -3015,7 +3949,7 @@
 </p:sld>
 </file>
 
-<file path=ppt/slides/slide2.xml><?xml version="1.0" encoding="utf-8"?>
+<file path=ppt/slides/slide10.xml><?xml version="1.0" encoding="utf-8"?>
 <p:sld xmlns:a="http://schemas.openxmlformats.org/drawingml/2006/main" xmlns:r="http://schemas.openxmlformats.org/officeDocument/2006/relationships" xmlns:p="http://schemas.openxmlformats.org/presentationml/2006/main">
   <p:cSld>
     <p:spTree>
@@ -3075,7 +4009,7 @@
 </p:sld>
 </file>
 
-<file path=ppt/slides/slide3.xml><?xml version="1.0" encoding="utf-8"?>
+<file path=ppt/slides/slide11.xml><?xml version="1.0" encoding="utf-8"?>
 <p:sld xmlns:a="http://schemas.openxmlformats.org/drawingml/2006/main" xmlns:r="http://schemas.openxmlformats.org/officeDocument/2006/relationships" xmlns:p="http://schemas.openxmlformats.org/presentationml/2006/main">
   <p:cSld>
     <p:spTree>
@@ -3685,7 +4619,7 @@
 </p:sld>
 </file>
 
-<file path=ppt/slides/slide4.xml><?xml version="1.0" encoding="utf-8"?>
+<file path=ppt/slides/slide12.xml><?xml version="1.0" encoding="utf-8"?>
 <p:sld xmlns:a="http://schemas.openxmlformats.org/drawingml/2006/main" xmlns:r="http://schemas.openxmlformats.org/officeDocument/2006/relationships" xmlns:p="http://schemas.openxmlformats.org/presentationml/2006/main">
   <p:cSld>
     <p:spTree>
@@ -4298,6 +5232,2828 @@
     <p:extLst>
       <p:ext uri="{BB962C8B-B14F-4D97-AF65-F5344CB8AC3E}">
         <p14:creationId xmlns:p14="http://schemas.microsoft.com/office/powerpoint/2010/main" val="3162890586"/>
+      </p:ext>
+    </p:extLst>
+  </p:cSld>
+  <p:clrMapOvr>
+    <a:masterClrMapping/>
+  </p:clrMapOvr>
+</p:sld>
+</file>
+
+<file path=ppt/slides/slide13.xml><?xml version="1.0" encoding="utf-8"?>
+<p:sld xmlns:a="http://schemas.openxmlformats.org/drawingml/2006/main" xmlns:r="http://schemas.openxmlformats.org/officeDocument/2006/relationships" xmlns:p="http://schemas.openxmlformats.org/presentationml/2006/main">
+  <p:cSld>
+    <p:spTree>
+      <p:nvGrpSpPr>
+        <p:cNvPr id="1" name=""/>
+        <p:cNvGrpSpPr/>
+        <p:nvPr/>
+      </p:nvGrpSpPr>
+      <p:grpSpPr>
+        <a:xfrm>
+          <a:off x="0" y="0"/>
+          <a:ext cx="0" cy="0"/>
+          <a:chOff x="0" y="0"/>
+          <a:chExt cx="0" cy="0"/>
+        </a:xfrm>
+      </p:grpSpPr>
+      <p:sp>
+        <p:nvSpPr>
+          <p:cNvPr id="2" name="标题 1"/>
+          <p:cNvSpPr>
+            <a:spLocks noGrp="1"/>
+          </p:cNvSpPr>
+          <p:nvPr>
+            <p:ph type="title"/>
+          </p:nvPr>
+        </p:nvSpPr>
+        <p:spPr/>
+        <p:txBody>
+          <a:bodyPr/>
+          <a:lstStyle/>
+          <a:p>
+            <a:r>
+              <a:rPr lang="en-US" altLang="zh-CN" dirty="0" err="1">
+                <a:hlinkClick r:id="rId2"/>
+              </a:rPr>
+              <a:t>Kubernetes</a:t>
+            </a:r>
+            <a:r>
+              <a:rPr lang="en-US" altLang="zh-CN" dirty="0">
+                <a:hlinkClick r:id="rId2"/>
+              </a:rPr>
+              <a:t> </a:t>
+            </a:r>
+            <a:r>
+              <a:rPr lang="zh-CN" altLang="en-US" dirty="0">
+                <a:hlinkClick r:id="rId2"/>
+              </a:rPr>
+              <a:t>集群分析查看内存，</a:t>
+            </a:r>
+            <a:r>
+              <a:rPr lang="en-US" altLang="zh-CN" dirty="0">
+                <a:hlinkClick r:id="rId2"/>
+              </a:rPr>
+              <a:t>CPU</a:t>
+            </a:r>
+            <a:r>
+              <a:rPr lang="en-US" altLang="zh-CN" dirty="0"/>
+              <a:t/>
+            </a:r>
+            <a:br>
+              <a:rPr lang="en-US" altLang="zh-CN" dirty="0"/>
+            </a:br>
+            <a:endParaRPr lang="zh-CN" altLang="en-US" dirty="0"/>
+          </a:p>
+        </p:txBody>
+      </p:sp>
+      <p:sp>
+        <p:nvSpPr>
+          <p:cNvPr id="3" name="内容占位符 2"/>
+          <p:cNvSpPr>
+            <a:spLocks noGrp="1"/>
+          </p:cNvSpPr>
+          <p:nvPr>
+            <p:ph idx="1"/>
+          </p:nvPr>
+        </p:nvSpPr>
+        <p:spPr/>
+        <p:txBody>
+          <a:bodyPr/>
+          <a:lstStyle/>
+          <a:p>
+            <a:r>
+              <a:rPr lang="en-US" altLang="zh-CN" b="1" dirty="0" smtClean="0"/>
+              <a:t>top</a:t>
+            </a:r>
+            <a:r>
+              <a:rPr lang="zh-CN" altLang="en-US" b="1" dirty="0"/>
+              <a:t>命令查看所有</a:t>
+            </a:r>
+            <a:r>
+              <a:rPr lang="en-US" altLang="zh-CN" b="1" dirty="0"/>
+              <a:t>pod</a:t>
+            </a:r>
+            <a:r>
+              <a:rPr lang="zh-CN" altLang="en-US" b="1" dirty="0"/>
+              <a:t>，</a:t>
+            </a:r>
+            <a:r>
+              <a:rPr lang="en-US" altLang="zh-CN" b="1" dirty="0"/>
+              <a:t>nodes</a:t>
+            </a:r>
+            <a:r>
+              <a:rPr lang="zh-CN" altLang="en-US" b="1" dirty="0"/>
+              <a:t>中内存，</a:t>
+            </a:r>
+            <a:r>
+              <a:rPr lang="en-US" altLang="zh-CN" b="1" dirty="0"/>
+              <a:t>CPU</a:t>
+            </a:r>
+            <a:r>
+              <a:rPr lang="zh-CN" altLang="en-US" b="1" dirty="0"/>
+              <a:t>使用</a:t>
+            </a:r>
+            <a:r>
+              <a:rPr lang="zh-CN" altLang="en-US" b="1" dirty="0" smtClean="0"/>
+              <a:t>情况</a:t>
+            </a:r>
+            <a:endParaRPr lang="en-US" altLang="zh-CN" b="1" dirty="0" smtClean="0"/>
+          </a:p>
+          <a:p>
+            <a:pPr marL="0" indent="0">
+              <a:buNone/>
+            </a:pPr>
+            <a:r>
+              <a:rPr lang="en-US" altLang="zh-CN" b="1" dirty="0"/>
+              <a:t>	</a:t>
+            </a:r>
+            <a:r>
+              <a:rPr lang="en-US" altLang="zh-CN" b="1" dirty="0" err="1" smtClean="0"/>
+              <a:t>kubectl</a:t>
+            </a:r>
+            <a:r>
+              <a:rPr lang="en-US" altLang="zh-CN" b="1" dirty="0" smtClean="0"/>
+              <a:t> top pod –n </a:t>
+            </a:r>
+            <a:r>
+              <a:rPr lang="zh-CN" altLang="en-US" b="1" dirty="0" smtClean="0"/>
+              <a:t>名称空间</a:t>
+            </a:r>
+            <a:endParaRPr lang="en-US" altLang="zh-CN" b="1" dirty="0" smtClean="0"/>
+          </a:p>
+          <a:p>
+            <a:pPr marL="0" indent="0">
+              <a:buNone/>
+            </a:pPr>
+            <a:r>
+              <a:rPr lang="zh-CN" altLang="en-US" b="1" dirty="0" smtClean="0"/>
+              <a:t>查看具体某一个</a:t>
+            </a:r>
+            <a:r>
+              <a:rPr lang="en-US" altLang="zh-CN" b="1" dirty="0" smtClean="0"/>
+              <a:t>pod</a:t>
+            </a:r>
+          </a:p>
+          <a:p>
+            <a:pPr marL="0" indent="0">
+              <a:buNone/>
+            </a:pPr>
+            <a:r>
+              <a:rPr lang="en-US" altLang="zh-CN" b="1" dirty="0"/>
+              <a:t>	</a:t>
+            </a:r>
+            <a:r>
+              <a:rPr lang="en-US" altLang="zh-CN" b="1" dirty="0" err="1" smtClean="0"/>
+              <a:t>kubectl</a:t>
+            </a:r>
+            <a:r>
+              <a:rPr lang="en-US" altLang="zh-CN" b="1" dirty="0" smtClean="0"/>
+              <a:t> top pod </a:t>
+            </a:r>
+            <a:r>
+              <a:rPr lang="en-US" altLang="zh-CN" b="1" dirty="0" err="1" smtClean="0"/>
+              <a:t>pod</a:t>
+            </a:r>
+            <a:r>
+              <a:rPr lang="zh-CN" altLang="en-US" b="1" dirty="0" smtClean="0"/>
+              <a:t>名称 </a:t>
+            </a:r>
+            <a:r>
+              <a:rPr lang="en-US" altLang="zh-CN" b="1" dirty="0" smtClean="0"/>
+              <a:t>–n </a:t>
+            </a:r>
+            <a:r>
+              <a:rPr lang="zh-CN" altLang="en-US" b="1" dirty="0" smtClean="0"/>
+              <a:t>名称空间</a:t>
+            </a:r>
+            <a:endParaRPr lang="zh-CN" altLang="en-US" b="1" dirty="0"/>
+          </a:p>
+        </p:txBody>
+      </p:sp>
+    </p:spTree>
+    <p:extLst>
+      <p:ext uri="{BB962C8B-B14F-4D97-AF65-F5344CB8AC3E}">
+        <p14:creationId xmlns:p14="http://schemas.microsoft.com/office/powerpoint/2010/main" val="3150834379"/>
+      </p:ext>
+    </p:extLst>
+  </p:cSld>
+  <p:clrMapOvr>
+    <a:masterClrMapping/>
+  </p:clrMapOvr>
+</p:sld>
+</file>
+
+<file path=ppt/slides/slide2.xml><?xml version="1.0" encoding="utf-8"?>
+<p:sld xmlns:a="http://schemas.openxmlformats.org/drawingml/2006/main" xmlns:r="http://schemas.openxmlformats.org/officeDocument/2006/relationships" xmlns:p="http://schemas.openxmlformats.org/presentationml/2006/main">
+  <p:cSld>
+    <p:spTree>
+      <p:nvGrpSpPr>
+        <p:cNvPr id="1" name=""/>
+        <p:cNvGrpSpPr/>
+        <p:nvPr/>
+      </p:nvGrpSpPr>
+      <p:grpSpPr>
+        <a:xfrm>
+          <a:off x="0" y="0"/>
+          <a:ext cx="0" cy="0"/>
+          <a:chOff x="0" y="0"/>
+          <a:chExt cx="0" cy="0"/>
+        </a:xfrm>
+      </p:grpSpPr>
+      <p:sp>
+        <p:nvSpPr>
+          <p:cNvPr id="4" name="矩形 3"/>
+          <p:cNvSpPr/>
+          <p:nvPr/>
+        </p:nvSpPr>
+        <p:spPr>
+          <a:xfrm>
+            <a:off x="1168400" y="0"/>
+            <a:ext cx="8915400" cy="6494085"/>
+          </a:xfrm>
+          <a:prstGeom prst="rect">
+            <a:avLst/>
+          </a:prstGeom>
+        </p:spPr>
+        <p:txBody>
+          <a:bodyPr wrap="square">
+            <a:spAutoFit/>
+          </a:bodyPr>
+          <a:lstStyle/>
+          <a:p>
+            <a:r>
+              <a:rPr lang="en-US" altLang="zh-CN" sz="1600" dirty="0">
+                <a:solidFill>
+                  <a:srgbClr val="000000"/>
+                </a:solidFill>
+                <a:latin typeface="Courier New" panose="02070409020205090404" pitchFamily="49" charset="0"/>
+              </a:rPr>
+              <a:t>2.1 k8s</a:t>
+            </a:r>
+            <a:r>
+              <a:rPr lang="zh-CN" altLang="en-US" sz="1600" dirty="0">
+                <a:solidFill>
+                  <a:srgbClr val="000000"/>
+                </a:solidFill>
+                <a:latin typeface="Courier New" panose="02070409020205090404" pitchFamily="49" charset="0"/>
+              </a:rPr>
+              <a:t>的核心功能 </a:t>
+            </a:r>
+            <a:endParaRPr lang="en-US" altLang="zh-CN" sz="1600" dirty="0">
+              <a:solidFill>
+                <a:srgbClr val="000000"/>
+              </a:solidFill>
+              <a:latin typeface="Courier New" panose="02070409020205090404" pitchFamily="49" charset="0"/>
+            </a:endParaRPr>
+          </a:p>
+          <a:p>
+            <a:r>
+              <a:rPr lang="zh-CN" altLang="en-US" sz="1600" dirty="0">
+                <a:solidFill>
+                  <a:srgbClr val="000000"/>
+                </a:solidFill>
+                <a:latin typeface="Courier New" panose="02070409020205090404" pitchFamily="49" charset="0"/>
+              </a:rPr>
+              <a:t>自愈</a:t>
+            </a:r>
+            <a:r>
+              <a:rPr lang="en-US" altLang="zh-CN" sz="1600" dirty="0">
+                <a:solidFill>
+                  <a:srgbClr val="000000"/>
+                </a:solidFill>
+                <a:latin typeface="Courier New" panose="02070409020205090404" pitchFamily="49" charset="0"/>
+              </a:rPr>
+              <a:t>: </a:t>
+            </a:r>
+          </a:p>
+          <a:p>
+            <a:r>
+              <a:rPr lang="zh-CN" altLang="en-US" sz="1600" dirty="0">
+                <a:solidFill>
+                  <a:srgbClr val="000000"/>
+                </a:solidFill>
+                <a:latin typeface="Courier New" panose="02070409020205090404" pitchFamily="49" charset="0"/>
+              </a:rPr>
+              <a:t>弹性伸缩</a:t>
+            </a:r>
+            <a:r>
+              <a:rPr lang="en-US" altLang="zh-CN" sz="1600" dirty="0">
+                <a:solidFill>
+                  <a:srgbClr val="000000"/>
+                </a:solidFill>
+                <a:latin typeface="Courier New" panose="02070409020205090404" pitchFamily="49" charset="0"/>
+              </a:rPr>
+              <a:t>: </a:t>
+            </a:r>
+          </a:p>
+          <a:p>
+            <a:r>
+              <a:rPr lang="zh-CN" altLang="en-US" sz="1600" dirty="0">
+                <a:solidFill>
+                  <a:srgbClr val="000000"/>
+                </a:solidFill>
+                <a:latin typeface="Courier New" panose="02070409020205090404" pitchFamily="49" charset="0"/>
+              </a:rPr>
+              <a:t>服务自动发现和负载均衡 </a:t>
+            </a:r>
+            <a:endParaRPr lang="en-US" altLang="zh-CN" sz="1600" dirty="0">
+              <a:solidFill>
+                <a:srgbClr val="000000"/>
+              </a:solidFill>
+              <a:latin typeface="Courier New" panose="02070409020205090404" pitchFamily="49" charset="0"/>
+            </a:endParaRPr>
+          </a:p>
+          <a:p>
+            <a:r>
+              <a:rPr lang="zh-CN" altLang="en-US" sz="1600" dirty="0">
+                <a:solidFill>
+                  <a:srgbClr val="000000"/>
+                </a:solidFill>
+                <a:latin typeface="Courier New" panose="02070409020205090404" pitchFamily="49" charset="0"/>
+              </a:rPr>
+              <a:t>滚动升级和一键回滚 </a:t>
+            </a:r>
+            <a:endParaRPr lang="en-US" altLang="zh-CN" sz="1600" dirty="0">
+              <a:solidFill>
+                <a:srgbClr val="000000"/>
+              </a:solidFill>
+              <a:latin typeface="Courier New" panose="02070409020205090404" pitchFamily="49" charset="0"/>
+            </a:endParaRPr>
+          </a:p>
+          <a:p>
+            <a:r>
+              <a:rPr lang="zh-CN" altLang="en-US" sz="1600" dirty="0">
+                <a:solidFill>
+                  <a:srgbClr val="000000"/>
+                </a:solidFill>
+                <a:latin typeface="Courier New" panose="02070409020205090404" pitchFamily="49" charset="0"/>
+              </a:rPr>
+              <a:t>密码和配置文件管理 </a:t>
+            </a:r>
+            <a:endParaRPr lang="en-US" altLang="zh-CN" sz="1600" dirty="0">
+              <a:solidFill>
+                <a:srgbClr val="000000"/>
+              </a:solidFill>
+              <a:latin typeface="Courier New" panose="02070409020205090404" pitchFamily="49" charset="0"/>
+            </a:endParaRPr>
+          </a:p>
+          <a:p>
+            <a:endParaRPr lang="en-US" altLang="zh-CN" sz="1600" dirty="0" smtClean="0">
+              <a:solidFill>
+                <a:srgbClr val="000000"/>
+              </a:solidFill>
+              <a:latin typeface="Courier New" panose="02070409020205090404" pitchFamily="49" charset="0"/>
+            </a:endParaRPr>
+          </a:p>
+          <a:p>
+            <a:r>
+              <a:rPr lang="en-US" altLang="zh-CN" sz="1600" dirty="0" smtClean="0">
+                <a:solidFill>
+                  <a:srgbClr val="000000"/>
+                </a:solidFill>
+                <a:latin typeface="Courier New" panose="02070409020205090404" pitchFamily="49" charset="0"/>
+              </a:rPr>
+              <a:t>2.3 </a:t>
+            </a:r>
+            <a:r>
+              <a:rPr lang="en-US" altLang="zh-CN" sz="1600" dirty="0">
+                <a:solidFill>
+                  <a:srgbClr val="000000"/>
+                </a:solidFill>
+                <a:latin typeface="Courier New" panose="02070409020205090404" pitchFamily="49" charset="0"/>
+              </a:rPr>
+              <a:t>k8s</a:t>
+            </a:r>
+            <a:r>
+              <a:rPr lang="zh-CN" altLang="en-US" sz="1600" dirty="0">
+                <a:solidFill>
+                  <a:srgbClr val="000000"/>
+                </a:solidFill>
+                <a:latin typeface="Courier New" panose="02070409020205090404" pitchFamily="49" charset="0"/>
+              </a:rPr>
+              <a:t>的安装方式 </a:t>
+            </a:r>
+            <a:endParaRPr lang="en-US" altLang="zh-CN" sz="1600" dirty="0">
+              <a:solidFill>
+                <a:srgbClr val="000000"/>
+              </a:solidFill>
+              <a:latin typeface="Courier New" panose="02070409020205090404" pitchFamily="49" charset="0"/>
+            </a:endParaRPr>
+          </a:p>
+          <a:p>
+            <a:r>
+              <a:rPr lang="en-US" altLang="zh-CN" sz="1600" dirty="0">
+                <a:solidFill>
+                  <a:srgbClr val="000000"/>
+                </a:solidFill>
+                <a:latin typeface="Courier New" panose="02070409020205090404" pitchFamily="49" charset="0"/>
+              </a:rPr>
+              <a:t>yum </a:t>
+            </a:r>
+          </a:p>
+          <a:p>
+            <a:r>
+              <a:rPr lang="zh-CN" altLang="en-US" sz="1600" dirty="0">
+                <a:solidFill>
+                  <a:srgbClr val="000000"/>
+                </a:solidFill>
+                <a:latin typeface="Courier New" panose="02070409020205090404" pitchFamily="49" charset="0"/>
+              </a:rPr>
+              <a:t>源码编译 </a:t>
+            </a:r>
+            <a:endParaRPr lang="en-US" altLang="zh-CN" sz="1600" dirty="0">
+              <a:solidFill>
+                <a:srgbClr val="000000"/>
+              </a:solidFill>
+              <a:latin typeface="Courier New" panose="02070409020205090404" pitchFamily="49" charset="0"/>
+            </a:endParaRPr>
+          </a:p>
+          <a:p>
+            <a:r>
+              <a:rPr lang="zh-CN" altLang="en-US" sz="1600" dirty="0">
+                <a:solidFill>
+                  <a:srgbClr val="000000"/>
+                </a:solidFill>
+                <a:latin typeface="Courier New" panose="02070409020205090404" pitchFamily="49" charset="0"/>
+              </a:rPr>
+              <a:t>二进制 生产使用 </a:t>
+            </a:r>
+            <a:endParaRPr lang="en-US" altLang="zh-CN" sz="1600" dirty="0" smtClean="0">
+              <a:solidFill>
+                <a:srgbClr val="000000"/>
+              </a:solidFill>
+              <a:latin typeface="Courier New" panose="02070409020205090404" pitchFamily="49" charset="0"/>
+            </a:endParaRPr>
+          </a:p>
+          <a:p>
+            <a:r>
+              <a:rPr lang="en-US" altLang="zh-CN" sz="1600" dirty="0" err="1" smtClean="0">
+                <a:solidFill>
+                  <a:srgbClr val="000000"/>
+                </a:solidFill>
+                <a:latin typeface="Courier New" panose="02070409020205090404" pitchFamily="49" charset="0"/>
+              </a:rPr>
+              <a:t>kubeadm</a:t>
+            </a:r>
+            <a:r>
+              <a:rPr lang="en-US" altLang="zh-CN" sz="1600" dirty="0" smtClean="0">
+                <a:solidFill>
+                  <a:srgbClr val="000000"/>
+                </a:solidFill>
+                <a:latin typeface="Courier New" panose="02070409020205090404" pitchFamily="49" charset="0"/>
+              </a:rPr>
+              <a:t> </a:t>
+            </a:r>
+            <a:r>
+              <a:rPr lang="zh-CN" altLang="en-US" sz="1600" dirty="0">
+                <a:solidFill>
+                  <a:srgbClr val="000000"/>
+                </a:solidFill>
+                <a:latin typeface="Courier New" panose="02070409020205090404" pitchFamily="49" charset="0"/>
+              </a:rPr>
+              <a:t>生产使用 </a:t>
+            </a:r>
+            <a:endParaRPr lang="en-US" altLang="zh-CN" sz="1600" dirty="0" smtClean="0">
+              <a:solidFill>
+                <a:srgbClr val="000000"/>
+              </a:solidFill>
+              <a:latin typeface="Courier New" panose="02070409020205090404" pitchFamily="49" charset="0"/>
+            </a:endParaRPr>
+          </a:p>
+          <a:p>
+            <a:r>
+              <a:rPr lang="en-US" altLang="zh-CN" sz="1600" dirty="0" err="1" smtClean="0">
+                <a:solidFill>
+                  <a:srgbClr val="000000"/>
+                </a:solidFill>
+                <a:latin typeface="Courier New" panose="02070409020205090404" pitchFamily="49" charset="0"/>
+              </a:rPr>
+              <a:t>minikube</a:t>
+            </a:r>
+            <a:r>
+              <a:rPr lang="en-US" altLang="zh-CN" sz="1600" dirty="0" smtClean="0">
+                <a:solidFill>
+                  <a:srgbClr val="000000"/>
+                </a:solidFill>
+                <a:latin typeface="Courier New" panose="02070409020205090404" pitchFamily="49" charset="0"/>
+              </a:rPr>
+              <a:t> </a:t>
+            </a:r>
+          </a:p>
+          <a:p>
+            <a:r>
+              <a:rPr lang="en-US" altLang="zh-CN" sz="1600" dirty="0" smtClean="0">
+                <a:solidFill>
+                  <a:srgbClr val="000000"/>
+                </a:solidFill>
+                <a:latin typeface="Courier New" panose="02070409020205090404" pitchFamily="49" charset="0"/>
+              </a:rPr>
+              <a:t>2.4 </a:t>
+            </a:r>
+            <a:r>
+              <a:rPr lang="en-US" altLang="zh-CN" sz="1600" dirty="0">
+                <a:solidFill>
+                  <a:srgbClr val="000000"/>
+                </a:solidFill>
+                <a:latin typeface="Courier New" panose="02070409020205090404" pitchFamily="49" charset="0"/>
+              </a:rPr>
+              <a:t>k8s</a:t>
+            </a:r>
+            <a:r>
+              <a:rPr lang="zh-CN" altLang="en-US" sz="1600" dirty="0">
+                <a:solidFill>
+                  <a:srgbClr val="000000"/>
+                </a:solidFill>
+                <a:latin typeface="Courier New" panose="02070409020205090404" pitchFamily="49" charset="0"/>
+              </a:rPr>
+              <a:t>的应用场景 </a:t>
+            </a:r>
+            <a:endParaRPr lang="en-US" altLang="zh-CN" sz="1600" dirty="0" smtClean="0">
+              <a:solidFill>
+                <a:srgbClr val="000000"/>
+              </a:solidFill>
+              <a:latin typeface="Courier New" panose="02070409020205090404" pitchFamily="49" charset="0"/>
+            </a:endParaRPr>
+          </a:p>
+          <a:p>
+            <a:r>
+              <a:rPr lang="zh-CN" altLang="en-US" sz="1600" dirty="0" smtClean="0">
+                <a:solidFill>
+                  <a:srgbClr val="000000"/>
+                </a:solidFill>
+                <a:latin typeface="Courier New" panose="02070409020205090404" pitchFamily="49" charset="0"/>
+              </a:rPr>
+              <a:t>微</a:t>
+            </a:r>
+            <a:r>
+              <a:rPr lang="zh-CN" altLang="en-US" sz="1600" dirty="0">
+                <a:solidFill>
+                  <a:srgbClr val="000000"/>
+                </a:solidFill>
+                <a:latin typeface="Courier New" panose="02070409020205090404" pitchFamily="49" charset="0"/>
+              </a:rPr>
+              <a:t>服务</a:t>
+            </a:r>
+            <a:r>
+              <a:rPr lang="en-US" altLang="zh-CN" sz="1600" dirty="0">
+                <a:solidFill>
+                  <a:srgbClr val="000000"/>
+                </a:solidFill>
+                <a:latin typeface="Courier New" panose="02070409020205090404" pitchFamily="49" charset="0"/>
+              </a:rPr>
+              <a:t>: </a:t>
+            </a:r>
+            <a:endParaRPr lang="en-US" altLang="zh-CN" sz="1600" dirty="0" smtClean="0">
+              <a:solidFill>
+                <a:srgbClr val="000000"/>
+              </a:solidFill>
+              <a:latin typeface="Courier New" panose="02070409020205090404" pitchFamily="49" charset="0"/>
+            </a:endParaRPr>
+          </a:p>
+          <a:p>
+            <a:r>
+              <a:rPr lang="zh-CN" altLang="en-US" sz="1600" dirty="0" smtClean="0">
+                <a:solidFill>
+                  <a:srgbClr val="000000"/>
+                </a:solidFill>
+                <a:latin typeface="Courier New" panose="02070409020205090404" pitchFamily="49" charset="0"/>
+              </a:rPr>
+              <a:t>更</a:t>
+            </a:r>
+            <a:r>
+              <a:rPr lang="zh-CN" altLang="en-US" sz="1600" dirty="0">
+                <a:solidFill>
+                  <a:srgbClr val="000000"/>
+                </a:solidFill>
+                <a:latin typeface="Courier New" panose="02070409020205090404" pitchFamily="49" charset="0"/>
+              </a:rPr>
+              <a:t>高的并发</a:t>
+            </a:r>
+            <a:r>
+              <a:rPr lang="en-US" altLang="zh-CN" sz="1600" dirty="0">
+                <a:solidFill>
+                  <a:srgbClr val="000000"/>
+                </a:solidFill>
+                <a:latin typeface="Courier New" panose="02070409020205090404" pitchFamily="49" charset="0"/>
+              </a:rPr>
+              <a:t>,</a:t>
+            </a:r>
+            <a:r>
+              <a:rPr lang="zh-CN" altLang="en-US" sz="1600" dirty="0">
+                <a:solidFill>
+                  <a:srgbClr val="000000"/>
+                </a:solidFill>
+                <a:latin typeface="Courier New" panose="02070409020205090404" pitchFamily="49" charset="0"/>
+              </a:rPr>
+              <a:t>更高的可用性</a:t>
+            </a:r>
+            <a:r>
+              <a:rPr lang="en-US" altLang="zh-CN" sz="1600" dirty="0">
+                <a:solidFill>
+                  <a:srgbClr val="000000"/>
+                </a:solidFill>
+                <a:latin typeface="Courier New" panose="02070409020205090404" pitchFamily="49" charset="0"/>
+              </a:rPr>
+              <a:t>,</a:t>
+            </a:r>
+            <a:r>
+              <a:rPr lang="zh-CN" altLang="en-US" sz="1600" dirty="0">
+                <a:solidFill>
+                  <a:srgbClr val="000000"/>
+                </a:solidFill>
+                <a:latin typeface="Courier New" panose="02070409020205090404" pitchFamily="49" charset="0"/>
+              </a:rPr>
+              <a:t>更快代码更新 </a:t>
+            </a:r>
+            <a:endParaRPr lang="en-US" altLang="zh-CN" sz="1600" dirty="0" smtClean="0">
+              <a:solidFill>
+                <a:srgbClr val="000000"/>
+              </a:solidFill>
+              <a:latin typeface="Courier New" panose="02070409020205090404" pitchFamily="49" charset="0"/>
+            </a:endParaRPr>
+          </a:p>
+          <a:p>
+            <a:r>
+              <a:rPr lang="zh-CN" altLang="en-US" sz="1600" dirty="0" smtClean="0">
+                <a:solidFill>
+                  <a:srgbClr val="000000"/>
+                </a:solidFill>
+                <a:latin typeface="Courier New" panose="02070409020205090404" pitchFamily="49" charset="0"/>
+              </a:rPr>
+              <a:t>缺点</a:t>
+            </a:r>
+            <a:r>
+              <a:rPr lang="en-US" altLang="zh-CN" sz="1600" dirty="0">
+                <a:solidFill>
+                  <a:srgbClr val="000000"/>
+                </a:solidFill>
+                <a:latin typeface="Courier New" panose="02070409020205090404" pitchFamily="49" charset="0"/>
+              </a:rPr>
+              <a:t>: </a:t>
+            </a:r>
+            <a:r>
+              <a:rPr lang="zh-CN" altLang="en-US" sz="1600" dirty="0">
+                <a:solidFill>
+                  <a:srgbClr val="000000"/>
+                </a:solidFill>
+                <a:latin typeface="Courier New" panose="02070409020205090404" pitchFamily="49" charset="0"/>
+              </a:rPr>
+              <a:t>管理复杂度上升 </a:t>
+            </a:r>
+            <a:endParaRPr lang="en-US" altLang="zh-CN" sz="1600" dirty="0" smtClean="0">
+              <a:solidFill>
+                <a:srgbClr val="000000"/>
+              </a:solidFill>
+              <a:latin typeface="Courier New" panose="02070409020205090404" pitchFamily="49" charset="0"/>
+            </a:endParaRPr>
+          </a:p>
+          <a:p>
+            <a:r>
+              <a:rPr lang="en-US" altLang="zh-CN" sz="1600" dirty="0" err="1" smtClean="0">
+                <a:solidFill>
+                  <a:srgbClr val="000000"/>
+                </a:solidFill>
+                <a:latin typeface="Courier New" panose="02070409020205090404" pitchFamily="49" charset="0"/>
+              </a:rPr>
+              <a:t>docker</a:t>
+            </a:r>
+            <a:r>
+              <a:rPr lang="en-US" altLang="zh-CN" sz="1600" dirty="0" smtClean="0">
+                <a:solidFill>
+                  <a:srgbClr val="000000"/>
+                </a:solidFill>
+                <a:latin typeface="Courier New" panose="02070409020205090404" pitchFamily="49" charset="0"/>
+              </a:rPr>
+              <a:t>-</a:t>
+            </a:r>
+            <a:r>
+              <a:rPr lang="en-US" altLang="zh-CN" sz="1600" dirty="0">
+                <a:solidFill>
+                  <a:srgbClr val="000000"/>
+                </a:solidFill>
+                <a:latin typeface="Courier New" panose="02070409020205090404" pitchFamily="49" charset="0"/>
+              </a:rPr>
+              <a:t>-k8s--</a:t>
+            </a:r>
+            <a:r>
+              <a:rPr lang="zh-CN" altLang="en-US" sz="1600" dirty="0">
+                <a:solidFill>
+                  <a:srgbClr val="000000"/>
+                </a:solidFill>
+                <a:latin typeface="Courier New" panose="02070409020205090404" pitchFamily="49" charset="0"/>
+              </a:rPr>
+              <a:t>弹性伸缩 </a:t>
+            </a:r>
+            <a:endParaRPr lang="en-US" altLang="zh-CN" sz="1600" dirty="0" smtClean="0">
+              <a:solidFill>
+                <a:srgbClr val="000000"/>
+              </a:solidFill>
+              <a:latin typeface="Courier New" panose="02070409020205090404" pitchFamily="49" charset="0"/>
+            </a:endParaRPr>
+          </a:p>
+          <a:p>
+            <a:r>
+              <a:rPr lang="en-US" altLang="zh-CN" sz="1600" dirty="0" smtClean="0">
+                <a:solidFill>
+                  <a:srgbClr val="000000"/>
+                </a:solidFill>
+                <a:latin typeface="Courier New" panose="02070409020205090404" pitchFamily="49" charset="0"/>
+              </a:rPr>
+              <a:t>3:k8s</a:t>
+            </a:r>
+            <a:r>
+              <a:rPr lang="zh-CN" altLang="en-US" sz="1600" dirty="0">
+                <a:solidFill>
+                  <a:srgbClr val="000000"/>
+                </a:solidFill>
+                <a:latin typeface="Courier New" panose="02070409020205090404" pitchFamily="49" charset="0"/>
+              </a:rPr>
+              <a:t>常用的资源 </a:t>
+            </a:r>
+            <a:endParaRPr lang="en-US" altLang="zh-CN" sz="1600" dirty="0" smtClean="0">
+              <a:solidFill>
+                <a:srgbClr val="000000"/>
+              </a:solidFill>
+              <a:latin typeface="Courier New" panose="02070409020205090404" pitchFamily="49" charset="0"/>
+            </a:endParaRPr>
+          </a:p>
+          <a:p>
+            <a:r>
+              <a:rPr lang="en-US" altLang="zh-CN" sz="1600" dirty="0" smtClean="0">
+                <a:solidFill>
+                  <a:srgbClr val="000000"/>
+                </a:solidFill>
+                <a:latin typeface="Courier New" panose="02070409020205090404" pitchFamily="49" charset="0"/>
+              </a:rPr>
+              <a:t>3.1</a:t>
+            </a:r>
+            <a:r>
+              <a:rPr lang="zh-CN" altLang="en-US" sz="1600" dirty="0">
+                <a:solidFill>
+                  <a:srgbClr val="000000"/>
+                </a:solidFill>
+                <a:latin typeface="Courier New" panose="02070409020205090404" pitchFamily="49" charset="0"/>
+              </a:rPr>
+              <a:t>创建</a:t>
+            </a:r>
+            <a:r>
+              <a:rPr lang="en-US" altLang="zh-CN" sz="1600" dirty="0">
+                <a:solidFill>
+                  <a:srgbClr val="000000"/>
+                </a:solidFill>
+                <a:latin typeface="Courier New" panose="02070409020205090404" pitchFamily="49" charset="0"/>
+              </a:rPr>
+              <a:t>pod</a:t>
+            </a:r>
+            <a:r>
+              <a:rPr lang="zh-CN" altLang="en-US" sz="1600" dirty="0">
+                <a:solidFill>
+                  <a:srgbClr val="000000"/>
+                </a:solidFill>
+                <a:latin typeface="Courier New" panose="02070409020205090404" pitchFamily="49" charset="0"/>
+              </a:rPr>
+              <a:t>资源 </a:t>
+            </a:r>
+            <a:endParaRPr lang="en-US" altLang="zh-CN" sz="1600" dirty="0" smtClean="0">
+              <a:solidFill>
+                <a:srgbClr val="000000"/>
+              </a:solidFill>
+              <a:latin typeface="Courier New" panose="02070409020205090404" pitchFamily="49" charset="0"/>
+            </a:endParaRPr>
+          </a:p>
+          <a:p>
+            <a:r>
+              <a:rPr lang="en-US" altLang="zh-CN" sz="1600" dirty="0" smtClean="0">
+                <a:solidFill>
+                  <a:srgbClr val="000000"/>
+                </a:solidFill>
+                <a:latin typeface="Courier New" panose="02070409020205090404" pitchFamily="49" charset="0"/>
+              </a:rPr>
+              <a:t>k8s</a:t>
+            </a:r>
+            <a:r>
+              <a:rPr lang="zh-CN" altLang="en-US" sz="1600" dirty="0">
+                <a:solidFill>
+                  <a:srgbClr val="000000"/>
+                </a:solidFill>
+                <a:latin typeface="Courier New" panose="02070409020205090404" pitchFamily="49" charset="0"/>
+              </a:rPr>
+              <a:t>最小资源单位 </a:t>
+            </a:r>
+            <a:endParaRPr lang="en-US" altLang="zh-CN" sz="1600" dirty="0" smtClean="0">
+              <a:solidFill>
+                <a:srgbClr val="000000"/>
+              </a:solidFill>
+              <a:latin typeface="Courier New" panose="02070409020205090404" pitchFamily="49" charset="0"/>
+            </a:endParaRPr>
+          </a:p>
+          <a:p>
+            <a:r>
+              <a:rPr lang="en-US" altLang="zh-CN" sz="1600" dirty="0" smtClean="0">
+                <a:solidFill>
+                  <a:srgbClr val="000000"/>
+                </a:solidFill>
+                <a:latin typeface="Courier New" panose="02070409020205090404" pitchFamily="49" charset="0"/>
+              </a:rPr>
+              <a:t>pod</a:t>
+            </a:r>
+            <a:r>
+              <a:rPr lang="zh-CN" altLang="en-US" sz="1600" dirty="0">
+                <a:solidFill>
+                  <a:srgbClr val="000000"/>
+                </a:solidFill>
+                <a:latin typeface="Courier New" panose="02070409020205090404" pitchFamily="49" charset="0"/>
+              </a:rPr>
+              <a:t>资源至少包含两个容器</a:t>
+            </a:r>
+            <a:r>
+              <a:rPr lang="en-US" altLang="zh-CN" sz="1600" dirty="0">
+                <a:solidFill>
+                  <a:srgbClr val="000000"/>
+                </a:solidFill>
+                <a:latin typeface="Courier New" panose="02070409020205090404" pitchFamily="49" charset="0"/>
+              </a:rPr>
+              <a:t>,</a:t>
+            </a:r>
+            <a:r>
+              <a:rPr lang="zh-CN" altLang="en-US" sz="1600" dirty="0">
+                <a:solidFill>
+                  <a:srgbClr val="000000"/>
+                </a:solidFill>
+                <a:latin typeface="Courier New" panose="02070409020205090404" pitchFamily="49" charset="0"/>
+              </a:rPr>
+              <a:t>基础容器</a:t>
+            </a:r>
+            <a:r>
+              <a:rPr lang="en-US" altLang="zh-CN" sz="1600" dirty="0">
+                <a:solidFill>
+                  <a:srgbClr val="000000"/>
+                </a:solidFill>
+                <a:latin typeface="Courier New" panose="02070409020205090404" pitchFamily="49" charset="0"/>
+              </a:rPr>
+              <a:t>pod+</a:t>
+            </a:r>
+            <a:r>
+              <a:rPr lang="zh-CN" altLang="en-US" sz="1600" dirty="0">
+                <a:solidFill>
+                  <a:srgbClr val="000000"/>
+                </a:solidFill>
+                <a:latin typeface="Courier New" panose="02070409020205090404" pitchFamily="49" charset="0"/>
+              </a:rPr>
+              <a:t>业务容器 </a:t>
+            </a:r>
+            <a:endParaRPr lang="en-US" altLang="zh-CN" sz="1600" dirty="0" smtClean="0">
+              <a:solidFill>
+                <a:srgbClr val="000000"/>
+              </a:solidFill>
+              <a:latin typeface="Courier New" panose="02070409020205090404" pitchFamily="49" charset="0"/>
+            </a:endParaRPr>
+          </a:p>
+          <a:p>
+            <a:r>
+              <a:rPr lang="en-US" altLang="zh-CN" sz="1600" dirty="0" smtClean="0">
+                <a:solidFill>
+                  <a:srgbClr val="000000"/>
+                </a:solidFill>
+                <a:latin typeface="Courier New" panose="02070409020205090404" pitchFamily="49" charset="0"/>
+              </a:rPr>
+              <a:t>3.2 </a:t>
+            </a:r>
+            <a:r>
+              <a:rPr lang="en-US" altLang="zh-CN" sz="1600" dirty="0" err="1">
+                <a:solidFill>
+                  <a:srgbClr val="000000"/>
+                </a:solidFill>
+                <a:latin typeface="Courier New" panose="02070409020205090404" pitchFamily="49" charset="0"/>
+              </a:rPr>
+              <a:t>ReplicationController</a:t>
+            </a:r>
+            <a:r>
+              <a:rPr lang="zh-CN" altLang="en-US" sz="1600" dirty="0">
+                <a:solidFill>
+                  <a:srgbClr val="000000"/>
+                </a:solidFill>
+                <a:latin typeface="Courier New" panose="02070409020205090404" pitchFamily="49" charset="0"/>
+              </a:rPr>
+              <a:t>资源 </a:t>
+            </a:r>
+            <a:endParaRPr lang="en-US" altLang="zh-CN" sz="1600" dirty="0" smtClean="0">
+              <a:solidFill>
+                <a:srgbClr val="000000"/>
+              </a:solidFill>
+              <a:latin typeface="Courier New" panose="02070409020205090404" pitchFamily="49" charset="0"/>
+            </a:endParaRPr>
+          </a:p>
+          <a:p>
+            <a:r>
+              <a:rPr lang="zh-CN" altLang="en-US" sz="1600" dirty="0" smtClean="0">
+                <a:solidFill>
+                  <a:srgbClr val="000000"/>
+                </a:solidFill>
+                <a:latin typeface="Courier New" panose="02070409020205090404" pitchFamily="49" charset="0"/>
+              </a:rPr>
+              <a:t>保证</a:t>
+            </a:r>
+            <a:r>
+              <a:rPr lang="zh-CN" altLang="en-US" sz="1600" dirty="0">
+                <a:solidFill>
+                  <a:srgbClr val="000000"/>
+                </a:solidFill>
+                <a:latin typeface="Courier New" panose="02070409020205090404" pitchFamily="49" charset="0"/>
+              </a:rPr>
+              <a:t>指定数量的</a:t>
+            </a:r>
+            <a:r>
+              <a:rPr lang="en-US" altLang="zh-CN" sz="1600" dirty="0">
+                <a:solidFill>
+                  <a:srgbClr val="000000"/>
+                </a:solidFill>
+                <a:latin typeface="Courier New" panose="02070409020205090404" pitchFamily="49" charset="0"/>
+              </a:rPr>
+              <a:t>pod</a:t>
+            </a:r>
+            <a:r>
+              <a:rPr lang="zh-CN" altLang="en-US" sz="1600" dirty="0">
+                <a:solidFill>
+                  <a:srgbClr val="000000"/>
+                </a:solidFill>
+                <a:latin typeface="Courier New" panose="02070409020205090404" pitchFamily="49" charset="0"/>
+              </a:rPr>
+              <a:t>运行 </a:t>
+            </a:r>
+            <a:endParaRPr lang="en-US" altLang="zh-CN" sz="1600" dirty="0" smtClean="0">
+              <a:solidFill>
+                <a:srgbClr val="000000"/>
+              </a:solidFill>
+              <a:latin typeface="Courier New" panose="02070409020205090404" pitchFamily="49" charset="0"/>
+            </a:endParaRPr>
+          </a:p>
+          <a:p>
+            <a:r>
+              <a:rPr lang="en-US" altLang="zh-CN" sz="1600" dirty="0" smtClean="0">
+                <a:solidFill>
+                  <a:srgbClr val="000000"/>
+                </a:solidFill>
+                <a:latin typeface="Courier New" panose="02070409020205090404" pitchFamily="49" charset="0"/>
+              </a:rPr>
+              <a:t>pod</a:t>
+            </a:r>
+            <a:r>
+              <a:rPr lang="zh-CN" altLang="en-US" sz="1600" dirty="0">
+                <a:solidFill>
+                  <a:srgbClr val="000000"/>
+                </a:solidFill>
+                <a:latin typeface="Courier New" panose="02070409020205090404" pitchFamily="49" charset="0"/>
+              </a:rPr>
+              <a:t>和</a:t>
+            </a:r>
+            <a:r>
+              <a:rPr lang="en-US" altLang="zh-CN" sz="1600" dirty="0" err="1">
+                <a:solidFill>
+                  <a:srgbClr val="000000"/>
+                </a:solidFill>
+                <a:latin typeface="Courier New" panose="02070409020205090404" pitchFamily="49" charset="0"/>
+              </a:rPr>
+              <a:t>rc</a:t>
+            </a:r>
+            <a:r>
+              <a:rPr lang="zh-CN" altLang="en-US" sz="1600" dirty="0">
+                <a:solidFill>
+                  <a:srgbClr val="000000"/>
+                </a:solidFill>
+                <a:latin typeface="Courier New" panose="02070409020205090404" pitchFamily="49" charset="0"/>
+              </a:rPr>
+              <a:t>是通过标签来关联 </a:t>
+            </a:r>
+            <a:endParaRPr lang="en-US" altLang="zh-CN" sz="1600" dirty="0" smtClean="0">
+              <a:solidFill>
+                <a:srgbClr val="000000"/>
+              </a:solidFill>
+              <a:latin typeface="Courier New" panose="02070409020205090404" pitchFamily="49" charset="0"/>
+            </a:endParaRPr>
+          </a:p>
+          <a:p>
+            <a:r>
+              <a:rPr lang="en-US" altLang="zh-CN" sz="1600" dirty="0" err="1" smtClean="0">
+                <a:solidFill>
+                  <a:srgbClr val="000000"/>
+                </a:solidFill>
+                <a:latin typeface="Courier New" panose="02070409020205090404" pitchFamily="49" charset="0"/>
+              </a:rPr>
+              <a:t>rc</a:t>
+            </a:r>
+            <a:r>
+              <a:rPr lang="zh-CN" altLang="en-US" sz="1600" dirty="0">
+                <a:solidFill>
+                  <a:srgbClr val="000000"/>
+                </a:solidFill>
+                <a:latin typeface="Courier New" panose="02070409020205090404" pitchFamily="49" charset="0"/>
+              </a:rPr>
+              <a:t>滚动升级和一键回滚</a:t>
+            </a:r>
+            <a:endParaRPr lang="zh-CN" altLang="en-US" sz="1600" dirty="0"/>
+          </a:p>
+        </p:txBody>
+      </p:sp>
+    </p:spTree>
+    <p:extLst>
+      <p:ext uri="{BB962C8B-B14F-4D97-AF65-F5344CB8AC3E}">
+        <p14:creationId xmlns:p14="http://schemas.microsoft.com/office/powerpoint/2010/main" val="1231903611"/>
+      </p:ext>
+    </p:extLst>
+  </p:cSld>
+  <p:clrMapOvr>
+    <a:masterClrMapping/>
+  </p:clrMapOvr>
+</p:sld>
+</file>
+
+<file path=ppt/slides/slide3.xml><?xml version="1.0" encoding="utf-8"?>
+<p:sld xmlns:a="http://schemas.openxmlformats.org/drawingml/2006/main" xmlns:r="http://schemas.openxmlformats.org/officeDocument/2006/relationships" xmlns:p="http://schemas.openxmlformats.org/presentationml/2006/main">
+  <p:cSld>
+    <p:spTree>
+      <p:nvGrpSpPr>
+        <p:cNvPr id="1" name=""/>
+        <p:cNvGrpSpPr/>
+        <p:nvPr/>
+      </p:nvGrpSpPr>
+      <p:grpSpPr>
+        <a:xfrm>
+          <a:off x="0" y="0"/>
+          <a:ext cx="0" cy="0"/>
+          <a:chOff x="0" y="0"/>
+          <a:chExt cx="0" cy="0"/>
+        </a:xfrm>
+      </p:grpSpPr>
+      <p:pic>
+        <p:nvPicPr>
+          <p:cNvPr id="4" name="图片 3"/>
+          <p:cNvPicPr>
+            <a:picLocks noChangeAspect="1"/>
+          </p:cNvPicPr>
+          <p:nvPr/>
+        </p:nvPicPr>
+        <p:blipFill>
+          <a:blip r:embed="rId2"/>
+          <a:stretch>
+            <a:fillRect/>
+          </a:stretch>
+        </p:blipFill>
+        <p:spPr>
+          <a:xfrm>
+            <a:off x="1612899" y="436563"/>
+            <a:ext cx="6959601" cy="3527317"/>
+          </a:xfrm>
+          <a:prstGeom prst="rect">
+            <a:avLst/>
+          </a:prstGeom>
+        </p:spPr>
+      </p:pic>
+      <p:sp>
+        <p:nvSpPr>
+          <p:cNvPr id="5" name="矩形 4"/>
+          <p:cNvSpPr/>
+          <p:nvPr/>
+        </p:nvSpPr>
+        <p:spPr>
+          <a:xfrm>
+            <a:off x="108225" y="67231"/>
+            <a:ext cx="2044149" cy="369332"/>
+          </a:xfrm>
+          <a:prstGeom prst="rect">
+            <a:avLst/>
+          </a:prstGeom>
+        </p:spPr>
+        <p:txBody>
+          <a:bodyPr wrap="none">
+            <a:spAutoFit/>
+          </a:bodyPr>
+          <a:lstStyle/>
+          <a:p>
+            <a:r>
+              <a:rPr lang="zh-CN" altLang="en-US" b="1" dirty="0">
+                <a:solidFill>
+                  <a:srgbClr val="000000"/>
+                </a:solidFill>
+                <a:latin typeface="Helvetica Neue"/>
+              </a:rPr>
+              <a:t>服务部署结构图：</a:t>
+            </a:r>
+            <a:endParaRPr lang="zh-CN" altLang="en-US" dirty="0"/>
+          </a:p>
+        </p:txBody>
+      </p:sp>
+      <p:sp>
+        <p:nvSpPr>
+          <p:cNvPr id="6" name="矩形 5"/>
+          <p:cNvSpPr/>
+          <p:nvPr/>
+        </p:nvSpPr>
+        <p:spPr>
+          <a:xfrm>
+            <a:off x="292100" y="3963880"/>
+            <a:ext cx="10566400" cy="1200329"/>
+          </a:xfrm>
+          <a:prstGeom prst="rect">
+            <a:avLst/>
+          </a:prstGeom>
+        </p:spPr>
+        <p:txBody>
+          <a:bodyPr wrap="square">
+            <a:spAutoFit/>
+          </a:bodyPr>
+          <a:lstStyle/>
+          <a:p>
+            <a:r>
+              <a:rPr lang="en-US" altLang="zh-CN" dirty="0">
+                <a:solidFill>
+                  <a:srgbClr val="000000"/>
+                </a:solidFill>
+                <a:latin typeface="Helvetica Neue"/>
+              </a:rPr>
+              <a:t>1.</a:t>
+            </a:r>
+            <a:r>
+              <a:rPr lang="zh-CN" altLang="en-US" dirty="0">
+                <a:solidFill>
+                  <a:srgbClr val="FF0000"/>
+                </a:solidFill>
+                <a:latin typeface="Helvetica Neue"/>
+              </a:rPr>
+              <a:t>在最前端的是网关也是代理</a:t>
+            </a:r>
+            <a:r>
+              <a:rPr lang="zh-CN" altLang="en-US" dirty="0">
+                <a:solidFill>
+                  <a:srgbClr val="000000"/>
+                </a:solidFill>
+                <a:latin typeface="Helvetica Neue"/>
+              </a:rPr>
+              <a:t>（</a:t>
+            </a:r>
+            <a:r>
+              <a:rPr lang="en-US" altLang="zh-CN" dirty="0">
+                <a:solidFill>
+                  <a:srgbClr val="000000"/>
+                </a:solidFill>
+                <a:latin typeface="Helvetica Neue"/>
+              </a:rPr>
+              <a:t>ingress-</a:t>
+            </a:r>
+            <a:r>
+              <a:rPr lang="en-US" altLang="zh-CN" dirty="0" err="1">
+                <a:solidFill>
+                  <a:srgbClr val="000000"/>
+                </a:solidFill>
+                <a:latin typeface="Helvetica Neue"/>
+              </a:rPr>
+              <a:t>nginx</a:t>
+            </a:r>
+            <a:r>
+              <a:rPr lang="en-US" altLang="zh-CN" dirty="0">
+                <a:solidFill>
+                  <a:srgbClr val="000000"/>
+                </a:solidFill>
+                <a:latin typeface="Helvetica Neue"/>
+              </a:rPr>
+              <a:t>-controller</a:t>
+            </a:r>
+            <a:r>
+              <a:rPr lang="zh-CN" altLang="en-US" dirty="0">
+                <a:solidFill>
+                  <a:srgbClr val="000000"/>
+                </a:solidFill>
+                <a:latin typeface="Helvetica Neue"/>
+              </a:rPr>
+              <a:t>），它是</a:t>
+            </a:r>
+            <a:r>
+              <a:rPr lang="en-US" altLang="zh-CN" dirty="0">
+                <a:solidFill>
+                  <a:srgbClr val="000000"/>
+                </a:solidFill>
+                <a:latin typeface="Helvetica Neue"/>
+              </a:rPr>
+              <a:t>k8s</a:t>
+            </a:r>
+            <a:r>
+              <a:rPr lang="zh-CN" altLang="en-US" dirty="0">
+                <a:solidFill>
+                  <a:srgbClr val="000000"/>
+                </a:solidFill>
+                <a:latin typeface="Helvetica Neue"/>
+              </a:rPr>
+              <a:t>的网关入口实现，除了</a:t>
+            </a:r>
+            <a:r>
+              <a:rPr lang="en-US" altLang="zh-CN" dirty="0">
+                <a:solidFill>
+                  <a:srgbClr val="000000"/>
+                </a:solidFill>
+                <a:latin typeface="Helvetica Neue"/>
+              </a:rPr>
+              <a:t>ingress-</a:t>
+            </a:r>
+            <a:r>
+              <a:rPr lang="en-US" altLang="zh-CN" dirty="0" err="1">
+                <a:solidFill>
+                  <a:srgbClr val="000000"/>
+                </a:solidFill>
+                <a:latin typeface="Helvetica Neue"/>
+              </a:rPr>
+              <a:t>nginx</a:t>
+            </a:r>
+            <a:r>
+              <a:rPr lang="zh-CN" altLang="en-US" dirty="0">
+                <a:solidFill>
+                  <a:srgbClr val="000000"/>
+                </a:solidFill>
+                <a:latin typeface="Helvetica Neue"/>
+              </a:rPr>
+              <a:t>还有很多</a:t>
+            </a:r>
+            <a:r>
+              <a:rPr lang="zh-CN" altLang="en-US" dirty="0" smtClean="0">
+                <a:solidFill>
+                  <a:srgbClr val="000000"/>
+                </a:solidFill>
+                <a:latin typeface="Helvetica Neue"/>
+              </a:rPr>
+              <a:t>，它</a:t>
+            </a:r>
+            <a:r>
+              <a:rPr lang="zh-CN" altLang="en-US" dirty="0">
+                <a:solidFill>
+                  <a:srgbClr val="000000"/>
+                </a:solidFill>
+                <a:latin typeface="Helvetica Neue"/>
+              </a:rPr>
+              <a:t>的高可用可通过</a:t>
+            </a:r>
+            <a:r>
+              <a:rPr lang="en-US" altLang="zh-CN" dirty="0">
+                <a:solidFill>
+                  <a:srgbClr val="000000"/>
+                </a:solidFill>
+                <a:latin typeface="Helvetica Neue"/>
+              </a:rPr>
+              <a:t>HA</a:t>
+            </a:r>
+            <a:r>
+              <a:rPr lang="zh-CN" altLang="en-US" dirty="0">
+                <a:solidFill>
+                  <a:srgbClr val="000000"/>
+                </a:solidFill>
+                <a:latin typeface="Helvetica Neue"/>
+              </a:rPr>
+              <a:t>或者</a:t>
+            </a:r>
+            <a:r>
+              <a:rPr lang="en-US" altLang="zh-CN" dirty="0" err="1">
+                <a:solidFill>
+                  <a:srgbClr val="000000"/>
+                </a:solidFill>
+                <a:latin typeface="Helvetica Neue"/>
+              </a:rPr>
+              <a:t>keepalived</a:t>
+            </a:r>
+            <a:r>
+              <a:rPr lang="zh-CN" altLang="en-US" dirty="0">
+                <a:solidFill>
+                  <a:srgbClr val="000000"/>
+                </a:solidFill>
+                <a:latin typeface="Helvetica Neue"/>
+              </a:rPr>
+              <a:t>实现，在这个实验里面我没有去实现，其实配置起来很简单，通过</a:t>
+            </a:r>
+            <a:r>
+              <a:rPr lang="en-US" altLang="zh-CN" dirty="0">
+                <a:solidFill>
+                  <a:srgbClr val="000000"/>
+                </a:solidFill>
+                <a:latin typeface="Helvetica Neue"/>
+              </a:rPr>
+              <a:t>shell</a:t>
+            </a:r>
+            <a:r>
+              <a:rPr lang="zh-CN" altLang="en-US" dirty="0">
+                <a:solidFill>
+                  <a:srgbClr val="000000"/>
+                </a:solidFill>
+                <a:latin typeface="Helvetica Neue"/>
+              </a:rPr>
+              <a:t>脚本检查</a:t>
+            </a:r>
+            <a:r>
+              <a:rPr lang="en-US" altLang="zh-CN" dirty="0" err="1">
+                <a:solidFill>
+                  <a:srgbClr val="000000"/>
+                </a:solidFill>
+                <a:latin typeface="Helvetica Neue"/>
+              </a:rPr>
+              <a:t>nginx</a:t>
+            </a:r>
+            <a:r>
+              <a:rPr lang="zh-CN" altLang="en-US" dirty="0">
+                <a:solidFill>
+                  <a:srgbClr val="000000"/>
+                </a:solidFill>
+                <a:latin typeface="Helvetica Neue"/>
+              </a:rPr>
+              <a:t>是否可用，对外提供</a:t>
+            </a:r>
+            <a:r>
+              <a:rPr lang="en-US" altLang="zh-CN" dirty="0" err="1">
+                <a:solidFill>
+                  <a:srgbClr val="000000"/>
+                </a:solidFill>
+                <a:latin typeface="Helvetica Neue"/>
+              </a:rPr>
+              <a:t>vip</a:t>
+            </a:r>
+            <a:r>
+              <a:rPr lang="zh-CN" altLang="en-US" dirty="0">
+                <a:solidFill>
+                  <a:srgbClr val="000000"/>
+                </a:solidFill>
+                <a:latin typeface="Helvetica Neue"/>
+              </a:rPr>
+              <a:t>地址，基于</a:t>
+            </a:r>
+            <a:r>
+              <a:rPr lang="en-US" altLang="zh-CN" dirty="0" err="1">
+                <a:solidFill>
+                  <a:srgbClr val="000000"/>
+                </a:solidFill>
+                <a:latin typeface="Helvetica Neue"/>
+              </a:rPr>
+              <a:t>vrrp</a:t>
+            </a:r>
+            <a:r>
+              <a:rPr lang="zh-CN" altLang="en-US" dirty="0">
+                <a:solidFill>
+                  <a:srgbClr val="000000"/>
+                </a:solidFill>
+                <a:latin typeface="Helvetica Neue"/>
+              </a:rPr>
+              <a:t>路由冗余协议实现，</a:t>
+            </a:r>
+            <a:r>
+              <a:rPr lang="zh-CN" altLang="en-US" dirty="0">
+                <a:solidFill>
+                  <a:srgbClr val="FF0000"/>
+                </a:solidFill>
+                <a:latin typeface="Helvetica Neue"/>
+              </a:rPr>
+              <a:t>当然这个网关也是在</a:t>
+            </a:r>
+            <a:r>
+              <a:rPr lang="en-US" altLang="zh-CN" dirty="0">
+                <a:solidFill>
+                  <a:srgbClr val="FF0000"/>
+                </a:solidFill>
+                <a:latin typeface="Helvetica Neue"/>
+              </a:rPr>
+              <a:t>k8s</a:t>
+            </a:r>
+            <a:r>
+              <a:rPr lang="zh-CN" altLang="en-US" dirty="0">
+                <a:solidFill>
+                  <a:srgbClr val="FF0000"/>
+                </a:solidFill>
+                <a:latin typeface="Helvetica Neue"/>
+              </a:rPr>
+              <a:t>这个集群里面的</a:t>
+            </a:r>
+            <a:r>
+              <a:rPr lang="zh-CN" altLang="en-US" dirty="0">
+                <a:solidFill>
+                  <a:srgbClr val="000000"/>
+                </a:solidFill>
+                <a:latin typeface="Helvetica Neue"/>
+              </a:rPr>
+              <a:t>，图没有显示层级出来。</a:t>
+            </a:r>
+            <a:endParaRPr lang="zh-CN" altLang="en-US" dirty="0"/>
+          </a:p>
+        </p:txBody>
+      </p:sp>
+      <p:sp>
+        <p:nvSpPr>
+          <p:cNvPr id="7" name="矩形 6"/>
+          <p:cNvSpPr/>
+          <p:nvPr/>
+        </p:nvSpPr>
+        <p:spPr>
+          <a:xfrm>
+            <a:off x="393700" y="5277295"/>
+            <a:ext cx="10782300" cy="1477328"/>
+          </a:xfrm>
+          <a:prstGeom prst="rect">
+            <a:avLst/>
+          </a:prstGeom>
+        </p:spPr>
+        <p:txBody>
+          <a:bodyPr wrap="square">
+            <a:spAutoFit/>
+          </a:bodyPr>
+          <a:lstStyle/>
+          <a:p>
+            <a:r>
+              <a:rPr lang="en-US" altLang="zh-CN" dirty="0">
+                <a:solidFill>
+                  <a:srgbClr val="000000"/>
+                </a:solidFill>
+                <a:latin typeface="Helvetica Neue"/>
+              </a:rPr>
+              <a:t>2.</a:t>
+            </a:r>
+            <a:r>
+              <a:rPr lang="zh-CN" altLang="en-US" dirty="0">
+                <a:solidFill>
+                  <a:srgbClr val="FF0000"/>
+                </a:solidFill>
+                <a:latin typeface="Helvetica Neue"/>
+              </a:rPr>
+              <a:t>网关后面就是我们的</a:t>
+            </a:r>
+            <a:r>
+              <a:rPr lang="en-US" altLang="zh-CN" dirty="0">
+                <a:solidFill>
+                  <a:srgbClr val="FF0000"/>
+                </a:solidFill>
+                <a:latin typeface="Helvetica Neue"/>
+              </a:rPr>
+              <a:t>service</a:t>
+            </a:r>
+            <a:r>
+              <a:rPr lang="zh-CN" altLang="en-US" dirty="0">
+                <a:solidFill>
+                  <a:srgbClr val="FF0000"/>
+                </a:solidFill>
+                <a:latin typeface="Helvetica Neue"/>
+              </a:rPr>
+              <a:t>服务</a:t>
+            </a:r>
+            <a:r>
+              <a:rPr lang="zh-CN" altLang="en-US" dirty="0">
+                <a:solidFill>
+                  <a:srgbClr val="000000"/>
+                </a:solidFill>
+                <a:latin typeface="Helvetica Neue"/>
+              </a:rPr>
+              <a:t>，我这里部署的是产品服务</a:t>
+            </a:r>
+            <a:r>
+              <a:rPr lang="en-US" altLang="zh-CN" dirty="0" err="1">
+                <a:solidFill>
+                  <a:srgbClr val="000000"/>
+                </a:solidFill>
+                <a:latin typeface="Helvetica Neue"/>
+              </a:rPr>
+              <a:t>ProductService</a:t>
+            </a:r>
+            <a:r>
+              <a:rPr lang="zh-CN" altLang="en-US" dirty="0">
+                <a:solidFill>
+                  <a:srgbClr val="000000"/>
+                </a:solidFill>
+                <a:latin typeface="Helvetica Neue"/>
+              </a:rPr>
+              <a:t>，整个</a:t>
+            </a:r>
+            <a:r>
+              <a:rPr lang="en-US" altLang="zh-CN" dirty="0">
+                <a:solidFill>
+                  <a:srgbClr val="000000"/>
+                </a:solidFill>
+                <a:latin typeface="Helvetica Neue"/>
+              </a:rPr>
+              <a:t>service</a:t>
+            </a:r>
+            <a:r>
+              <a:rPr lang="zh-CN" altLang="en-US" dirty="0">
+                <a:solidFill>
+                  <a:srgbClr val="000000"/>
+                </a:solidFill>
+                <a:latin typeface="Helvetica Neue"/>
+              </a:rPr>
+              <a:t>的网络模型我部署成了</a:t>
+            </a:r>
+            <a:r>
+              <a:rPr lang="en-US" altLang="zh-CN" dirty="0" err="1">
+                <a:solidFill>
+                  <a:srgbClr val="000000"/>
+                </a:solidFill>
+                <a:latin typeface="Helvetica Neue"/>
+              </a:rPr>
+              <a:t>ClusterIp</a:t>
+            </a:r>
+            <a:r>
+              <a:rPr lang="zh-CN" altLang="en-US" dirty="0">
+                <a:solidFill>
+                  <a:srgbClr val="000000"/>
+                </a:solidFill>
+                <a:latin typeface="Helvetica Neue"/>
+              </a:rPr>
+              <a:t>类型，这是</a:t>
+            </a:r>
+            <a:r>
+              <a:rPr lang="en-US" altLang="zh-CN" dirty="0">
+                <a:solidFill>
+                  <a:srgbClr val="000000"/>
+                </a:solidFill>
+                <a:latin typeface="Helvetica Neue"/>
+              </a:rPr>
+              <a:t>k8s</a:t>
+            </a:r>
+            <a:r>
+              <a:rPr lang="zh-CN" altLang="en-US" dirty="0">
+                <a:solidFill>
+                  <a:srgbClr val="000000"/>
+                </a:solidFill>
+                <a:latin typeface="Helvetica Neue"/>
+              </a:rPr>
+              <a:t>对内访问的三种模型之一。这个模型有个特点外面的服务不能直接访问里面</a:t>
+            </a:r>
+            <a:r>
+              <a:rPr lang="en-US" altLang="zh-CN" dirty="0">
+                <a:solidFill>
+                  <a:srgbClr val="000000"/>
+                </a:solidFill>
+                <a:latin typeface="Helvetica Neue"/>
+              </a:rPr>
+              <a:t>pod</a:t>
+            </a:r>
+            <a:r>
+              <a:rPr lang="zh-CN" altLang="en-US" dirty="0">
+                <a:solidFill>
+                  <a:srgbClr val="000000"/>
+                </a:solidFill>
+                <a:latin typeface="Helvetica Neue"/>
+              </a:rPr>
+              <a:t>之上的容器，所以我们可以把它理解为一个封闭的网络，由</a:t>
+            </a:r>
+            <a:r>
+              <a:rPr lang="en-US" altLang="zh-CN" dirty="0">
+                <a:solidFill>
+                  <a:srgbClr val="000000"/>
+                </a:solidFill>
+                <a:latin typeface="Helvetica Neue"/>
+              </a:rPr>
+              <a:t>ingress-</a:t>
+            </a:r>
+            <a:r>
+              <a:rPr lang="en-US" altLang="zh-CN" dirty="0" err="1">
+                <a:solidFill>
+                  <a:srgbClr val="000000"/>
+                </a:solidFill>
+                <a:latin typeface="Helvetica Neue"/>
+              </a:rPr>
+              <a:t>nginx</a:t>
+            </a:r>
+            <a:r>
+              <a:rPr lang="zh-CN" altLang="en-US" dirty="0">
+                <a:solidFill>
+                  <a:srgbClr val="000000"/>
+                </a:solidFill>
+                <a:latin typeface="Helvetica Neue"/>
+              </a:rPr>
+              <a:t>代理，而它们的网络是在</a:t>
+            </a:r>
+            <a:r>
+              <a:rPr lang="en-US" altLang="zh-CN" dirty="0">
+                <a:solidFill>
+                  <a:srgbClr val="000000"/>
+                </a:solidFill>
+                <a:latin typeface="Helvetica Neue"/>
+              </a:rPr>
+              <a:t>k8s</a:t>
+            </a:r>
+            <a:r>
+              <a:rPr lang="zh-CN" altLang="en-US" dirty="0">
+                <a:solidFill>
+                  <a:srgbClr val="000000"/>
+                </a:solidFill>
+                <a:latin typeface="Helvetica Neue"/>
+              </a:rPr>
+              <a:t>这个大型子网里面，通过</a:t>
+            </a:r>
+            <a:r>
+              <a:rPr lang="en-US" altLang="zh-CN" dirty="0" err="1">
+                <a:solidFill>
+                  <a:srgbClr val="000000"/>
+                </a:solidFill>
+                <a:latin typeface="Helvetica Neue"/>
+              </a:rPr>
+              <a:t>coredns</a:t>
+            </a:r>
+            <a:r>
+              <a:rPr lang="zh-CN" altLang="en-US" dirty="0">
+                <a:solidFill>
+                  <a:srgbClr val="000000"/>
+                </a:solidFill>
+                <a:latin typeface="Helvetica Neue"/>
+              </a:rPr>
+              <a:t>（</a:t>
+            </a:r>
+            <a:r>
+              <a:rPr lang="en-US" altLang="zh-CN" dirty="0">
+                <a:solidFill>
+                  <a:srgbClr val="000000"/>
+                </a:solidFill>
+                <a:latin typeface="Helvetica Neue"/>
+              </a:rPr>
+              <a:t>k8s</a:t>
+            </a:r>
+            <a:r>
+              <a:rPr lang="zh-CN" altLang="en-US" dirty="0">
+                <a:solidFill>
+                  <a:srgbClr val="000000"/>
+                </a:solidFill>
+                <a:latin typeface="Helvetica Neue"/>
+              </a:rPr>
+              <a:t>里面的组件）组件解析（当然这里面还有</a:t>
+            </a:r>
+            <a:r>
+              <a:rPr lang="en-US" altLang="zh-CN" dirty="0">
+                <a:solidFill>
+                  <a:srgbClr val="000000"/>
+                </a:solidFill>
+                <a:latin typeface="Helvetica Neue"/>
+              </a:rPr>
+              <a:t>CNI</a:t>
+            </a:r>
+            <a:r>
+              <a:rPr lang="zh-CN" altLang="en-US" dirty="0">
+                <a:solidFill>
+                  <a:srgbClr val="000000"/>
+                </a:solidFill>
+                <a:latin typeface="Helvetica Neue"/>
+              </a:rPr>
+              <a:t>的实现者网桥的介入，甚至还有</a:t>
+            </a:r>
+            <a:r>
+              <a:rPr lang="en-US" altLang="zh-CN" dirty="0" err="1">
+                <a:solidFill>
+                  <a:srgbClr val="000000"/>
+                </a:solidFill>
+                <a:latin typeface="Helvetica Neue"/>
+              </a:rPr>
+              <a:t>docker</a:t>
+            </a:r>
+            <a:r>
+              <a:rPr lang="zh-CN" altLang="en-US" dirty="0">
+                <a:solidFill>
+                  <a:srgbClr val="000000"/>
+                </a:solidFill>
+                <a:latin typeface="Helvetica Neue"/>
+              </a:rPr>
+              <a:t>网桥）。下面我们直接部署吧。</a:t>
+            </a:r>
+            <a:endParaRPr lang="zh-CN" altLang="en-US" dirty="0"/>
+          </a:p>
+        </p:txBody>
+      </p:sp>
+    </p:spTree>
+    <p:extLst>
+      <p:ext uri="{BB962C8B-B14F-4D97-AF65-F5344CB8AC3E}">
+        <p14:creationId xmlns:p14="http://schemas.microsoft.com/office/powerpoint/2010/main" val="3383621767"/>
+      </p:ext>
+    </p:extLst>
+  </p:cSld>
+  <p:clrMapOvr>
+    <a:masterClrMapping/>
+  </p:clrMapOvr>
+</p:sld>
+</file>
+
+<file path=ppt/slides/slide4.xml><?xml version="1.0" encoding="utf-8"?>
+<p:sld xmlns:a="http://schemas.openxmlformats.org/drawingml/2006/main" xmlns:r="http://schemas.openxmlformats.org/officeDocument/2006/relationships" xmlns:p="http://schemas.openxmlformats.org/presentationml/2006/main">
+  <p:cSld>
+    <p:spTree>
+      <p:nvGrpSpPr>
+        <p:cNvPr id="1" name=""/>
+        <p:cNvGrpSpPr/>
+        <p:nvPr/>
+      </p:nvGrpSpPr>
+      <p:grpSpPr>
+        <a:xfrm>
+          <a:off x="0" y="0"/>
+          <a:ext cx="0" cy="0"/>
+          <a:chOff x="0" y="0"/>
+          <a:chExt cx="0" cy="0"/>
+        </a:xfrm>
+      </p:grpSpPr>
+      <p:sp>
+        <p:nvSpPr>
+          <p:cNvPr id="4" name="矩形 3"/>
+          <p:cNvSpPr/>
+          <p:nvPr/>
+        </p:nvSpPr>
+        <p:spPr>
+          <a:xfrm>
+            <a:off x="335631" y="158234"/>
+            <a:ext cx="649537" cy="369332"/>
+          </a:xfrm>
+          <a:prstGeom prst="rect">
+            <a:avLst/>
+          </a:prstGeom>
+        </p:spPr>
+        <p:txBody>
+          <a:bodyPr wrap="none">
+            <a:spAutoFit/>
+          </a:bodyPr>
+          <a:lstStyle/>
+          <a:p>
+            <a:r>
+              <a:rPr lang="zh-CN" altLang="en-US" b="1" dirty="0">
+                <a:solidFill>
+                  <a:srgbClr val="000000"/>
+                </a:solidFill>
+                <a:latin typeface="Helvetica Neue"/>
+              </a:rPr>
+              <a:t>部署</a:t>
+            </a:r>
+            <a:endParaRPr lang="zh-CN" altLang="en-US" dirty="0"/>
+          </a:p>
+        </p:txBody>
+      </p:sp>
+      <p:sp>
+        <p:nvSpPr>
+          <p:cNvPr id="5" name="矩形 4"/>
+          <p:cNvSpPr/>
+          <p:nvPr/>
+        </p:nvSpPr>
+        <p:spPr>
+          <a:xfrm>
+            <a:off x="591467" y="527566"/>
+            <a:ext cx="11468100" cy="646331"/>
+          </a:xfrm>
+          <a:prstGeom prst="rect">
+            <a:avLst/>
+          </a:prstGeom>
+        </p:spPr>
+        <p:txBody>
+          <a:bodyPr wrap="square">
+            <a:spAutoFit/>
+          </a:bodyPr>
+          <a:lstStyle/>
+          <a:p>
+            <a:r>
+              <a:rPr lang="zh-CN" altLang="en-US" dirty="0">
+                <a:solidFill>
+                  <a:srgbClr val="000000"/>
+                </a:solidFill>
+                <a:latin typeface="Helvetica Neue"/>
+              </a:rPr>
+              <a:t>简单说下，部署</a:t>
+            </a:r>
+            <a:r>
+              <a:rPr lang="en-US" altLang="zh-CN" dirty="0" err="1">
+                <a:solidFill>
+                  <a:srgbClr val="000000"/>
+                </a:solidFill>
+                <a:latin typeface="Helvetica Neue"/>
+              </a:rPr>
+              <a:t>productservice</a:t>
+            </a:r>
+            <a:r>
+              <a:rPr lang="zh-CN" altLang="en-US" dirty="0">
+                <a:solidFill>
+                  <a:srgbClr val="000000"/>
+                </a:solidFill>
+                <a:latin typeface="Helvetica Neue"/>
+              </a:rPr>
+              <a:t>我的一个思路，先是通过工程</a:t>
+            </a:r>
+            <a:r>
+              <a:rPr lang="en-US" altLang="zh-CN" dirty="0" err="1">
+                <a:solidFill>
+                  <a:srgbClr val="000000"/>
+                </a:solidFill>
+                <a:latin typeface="Helvetica Neue"/>
+              </a:rPr>
+              <a:t>dockerfile</a:t>
+            </a:r>
+            <a:r>
+              <a:rPr lang="zh-CN" altLang="en-US" dirty="0">
+                <a:solidFill>
+                  <a:srgbClr val="000000"/>
+                </a:solidFill>
+                <a:latin typeface="Helvetica Neue"/>
+              </a:rPr>
+              <a:t>构建镜像，当然这些可以通过自动构建和部署，然后通过</a:t>
+            </a:r>
+            <a:r>
+              <a:rPr lang="en-US" altLang="zh-CN" dirty="0">
+                <a:solidFill>
+                  <a:srgbClr val="000000"/>
+                </a:solidFill>
+                <a:latin typeface="Helvetica Neue"/>
+              </a:rPr>
+              <a:t>deployment</a:t>
+            </a:r>
+            <a:r>
+              <a:rPr lang="zh-CN" altLang="en-US" dirty="0">
+                <a:solidFill>
+                  <a:srgbClr val="000000"/>
+                </a:solidFill>
+                <a:latin typeface="Helvetica Neue"/>
+              </a:rPr>
+              <a:t>资源管理器创建</a:t>
+            </a:r>
+            <a:r>
+              <a:rPr lang="en-US" altLang="zh-CN" dirty="0">
+                <a:solidFill>
+                  <a:srgbClr val="000000"/>
+                </a:solidFill>
+                <a:latin typeface="Helvetica Neue"/>
+              </a:rPr>
+              <a:t>pod</a:t>
+            </a:r>
+            <a:r>
+              <a:rPr lang="zh-CN" altLang="en-US" dirty="0">
+                <a:solidFill>
+                  <a:srgbClr val="000000"/>
+                </a:solidFill>
+                <a:latin typeface="Helvetica Neue"/>
+              </a:rPr>
+              <a:t>资源，最后部署</a:t>
+            </a:r>
+            <a:r>
+              <a:rPr lang="en-US" altLang="zh-CN" dirty="0">
+                <a:solidFill>
+                  <a:srgbClr val="000000"/>
+                </a:solidFill>
+                <a:latin typeface="Helvetica Neue"/>
+              </a:rPr>
+              <a:t>service</a:t>
+            </a:r>
+            <a:r>
+              <a:rPr lang="zh-CN" altLang="en-US" dirty="0">
+                <a:solidFill>
+                  <a:srgbClr val="000000"/>
+                </a:solidFill>
+                <a:latin typeface="Helvetica Neue"/>
+              </a:rPr>
+              <a:t>代理。这里简单画个图理解一下。</a:t>
+            </a:r>
+            <a:endParaRPr lang="zh-CN" altLang="en-US" dirty="0"/>
+          </a:p>
+        </p:txBody>
+      </p:sp>
+      <p:pic>
+        <p:nvPicPr>
+          <p:cNvPr id="6" name="图片 5"/>
+          <p:cNvPicPr>
+            <a:picLocks noChangeAspect="1"/>
+          </p:cNvPicPr>
+          <p:nvPr/>
+        </p:nvPicPr>
+        <p:blipFill>
+          <a:blip r:embed="rId2"/>
+          <a:stretch>
+            <a:fillRect/>
+          </a:stretch>
+        </p:blipFill>
+        <p:spPr>
+          <a:xfrm>
+            <a:off x="1812925" y="1173897"/>
+            <a:ext cx="7600950" cy="4800600"/>
+          </a:xfrm>
+          <a:prstGeom prst="rect">
+            <a:avLst/>
+          </a:prstGeom>
+        </p:spPr>
+      </p:pic>
+    </p:spTree>
+    <p:extLst>
+      <p:ext uri="{BB962C8B-B14F-4D97-AF65-F5344CB8AC3E}">
+        <p14:creationId xmlns:p14="http://schemas.microsoft.com/office/powerpoint/2010/main" val="1069282930"/>
+      </p:ext>
+    </p:extLst>
+  </p:cSld>
+  <p:clrMapOvr>
+    <a:masterClrMapping/>
+  </p:clrMapOvr>
+</p:sld>
+</file>
+
+<file path=ppt/slides/slide5.xml><?xml version="1.0" encoding="utf-8"?>
+<p:sld xmlns:a="http://schemas.openxmlformats.org/drawingml/2006/main" xmlns:r="http://schemas.openxmlformats.org/officeDocument/2006/relationships" xmlns:p="http://schemas.openxmlformats.org/presentationml/2006/main">
+  <p:cSld>
+    <p:spTree>
+      <p:nvGrpSpPr>
+        <p:cNvPr id="1" name=""/>
+        <p:cNvGrpSpPr/>
+        <p:nvPr/>
+      </p:nvGrpSpPr>
+      <p:grpSpPr>
+        <a:xfrm>
+          <a:off x="0" y="0"/>
+          <a:ext cx="0" cy="0"/>
+          <a:chOff x="0" y="0"/>
+          <a:chExt cx="0" cy="0"/>
+        </a:xfrm>
+      </p:grpSpPr>
+      <p:sp>
+        <p:nvSpPr>
+          <p:cNvPr id="3" name="内容占位符 2"/>
+          <p:cNvSpPr>
+            <a:spLocks noGrp="1"/>
+          </p:cNvSpPr>
+          <p:nvPr>
+            <p:ph idx="1"/>
+          </p:nvPr>
+        </p:nvSpPr>
+        <p:spPr>
+          <a:xfrm>
+            <a:off x="558800" y="1165225"/>
+            <a:ext cx="10515600" cy="4351338"/>
+          </a:xfrm>
+        </p:spPr>
+        <p:txBody>
+          <a:bodyPr>
+            <a:normAutofit fontScale="92500"/>
+          </a:bodyPr>
+          <a:lstStyle/>
+          <a:p>
+            <a:r>
+              <a:rPr lang="zh-CN" altLang="en-US" dirty="0"/>
+              <a:t>在</a:t>
+            </a:r>
+            <a:r>
+              <a:rPr lang="en-US" altLang="zh-CN" dirty="0"/>
+              <a:t>k8s</a:t>
+            </a:r>
+            <a:r>
+              <a:rPr lang="zh-CN" altLang="en-US" dirty="0"/>
+              <a:t>集群里面</a:t>
+            </a:r>
+            <a:r>
+              <a:rPr lang="en-US" altLang="zh-CN" dirty="0"/>
+              <a:t>master</a:t>
+            </a:r>
+            <a:r>
+              <a:rPr lang="zh-CN" altLang="en-US" dirty="0"/>
+              <a:t>主要负责控制和管理</a:t>
+            </a:r>
+            <a:r>
+              <a:rPr lang="en-US" altLang="zh-CN" dirty="0"/>
+              <a:t>node</a:t>
+            </a:r>
+            <a:r>
+              <a:rPr lang="zh-CN" altLang="en-US" dirty="0"/>
+              <a:t>节点，</a:t>
+            </a:r>
+            <a:r>
+              <a:rPr lang="en-US" altLang="zh-CN" dirty="0"/>
+              <a:t>node</a:t>
+            </a:r>
+            <a:r>
+              <a:rPr lang="zh-CN" altLang="en-US" dirty="0"/>
+              <a:t>为工作负载节点，干活就是它，也就是容器的执行是在它里面的</a:t>
+            </a:r>
+            <a:r>
+              <a:rPr lang="en-US" altLang="zh-CN" dirty="0"/>
+              <a:t>pod</a:t>
+            </a:r>
+            <a:r>
+              <a:rPr lang="zh-CN" altLang="en-US" dirty="0" smtClean="0"/>
+              <a:t>之上</a:t>
+            </a:r>
+            <a:endParaRPr lang="en-US" altLang="zh-CN" dirty="0" smtClean="0"/>
+          </a:p>
+          <a:p>
+            <a:r>
+              <a:rPr lang="en-US" altLang="zh-CN" dirty="0" err="1"/>
+              <a:t>eployment</a:t>
+            </a:r>
+            <a:r>
+              <a:rPr lang="zh-CN" altLang="en-US" dirty="0" smtClean="0"/>
+              <a:t>是</a:t>
+            </a:r>
+            <a:r>
+              <a:rPr lang="en-US" altLang="zh-CN" dirty="0" smtClean="0"/>
+              <a:t>pod</a:t>
+            </a:r>
+            <a:r>
+              <a:rPr lang="zh-CN" altLang="en-US" dirty="0" smtClean="0"/>
+              <a:t>资源</a:t>
+            </a:r>
+            <a:r>
+              <a:rPr lang="zh-CN" altLang="en-US" dirty="0"/>
+              <a:t>控制管理器，比如动态扩缩容，滚动更新，回滚等等操作，在</a:t>
+            </a:r>
+            <a:r>
+              <a:rPr lang="en-US" altLang="zh-CN" dirty="0"/>
+              <a:t>k8s</a:t>
+            </a:r>
+            <a:r>
+              <a:rPr lang="zh-CN" altLang="en-US" dirty="0"/>
+              <a:t>里面有多种资源控制器，比如</a:t>
+            </a:r>
+            <a:r>
+              <a:rPr lang="en-US" altLang="zh-CN" dirty="0" err="1"/>
+              <a:t>rs</a:t>
+            </a:r>
+            <a:r>
+              <a:rPr lang="zh-CN" altLang="en-US" dirty="0"/>
+              <a:t>、</a:t>
+            </a:r>
+            <a:r>
+              <a:rPr lang="en-US" altLang="zh-CN" dirty="0" err="1"/>
+              <a:t>rc</a:t>
+            </a:r>
+            <a:r>
+              <a:rPr lang="zh-CN" altLang="en-US" dirty="0"/>
+              <a:t>、</a:t>
+            </a:r>
+            <a:r>
+              <a:rPr lang="en-US" altLang="zh-CN" dirty="0"/>
+              <a:t>ds</a:t>
+            </a:r>
+            <a:r>
+              <a:rPr lang="zh-CN" altLang="en-US" dirty="0"/>
+              <a:t>、</a:t>
+            </a:r>
+            <a:r>
+              <a:rPr lang="en-US" altLang="zh-CN" dirty="0"/>
+              <a:t>job</a:t>
+            </a:r>
+            <a:r>
+              <a:rPr lang="zh-CN" altLang="en-US" dirty="0" smtClean="0"/>
+              <a:t>等</a:t>
+            </a:r>
+            <a:endParaRPr lang="en-US" altLang="zh-CN" dirty="0" smtClean="0"/>
+          </a:p>
+          <a:p>
+            <a:r>
+              <a:rPr lang="en-US" altLang="zh-CN" dirty="0"/>
+              <a:t>service</a:t>
+            </a:r>
+            <a:r>
+              <a:rPr lang="zh-CN" altLang="en-US" dirty="0"/>
+              <a:t>服务代理，代理谁？</a:t>
+            </a:r>
+            <a:r>
+              <a:rPr lang="en-US" altLang="zh-CN" dirty="0"/>
+              <a:t>pod</a:t>
+            </a:r>
+            <a:r>
+              <a:rPr lang="zh-CN" altLang="en-US" dirty="0"/>
+              <a:t>，通过</a:t>
+            </a:r>
+            <a:r>
+              <a:rPr lang="en-US" altLang="zh-CN" dirty="0"/>
+              <a:t>label</a:t>
+            </a:r>
+            <a:r>
+              <a:rPr lang="zh-CN" altLang="en-US" dirty="0"/>
+              <a:t>标签匹配，为什么需要它？如果没有它的话，</a:t>
+            </a:r>
+            <a:r>
+              <a:rPr lang="en-US" altLang="zh-CN" dirty="0"/>
+              <a:t>pod</a:t>
+            </a:r>
+            <a:r>
+              <a:rPr lang="zh-CN" altLang="en-US" dirty="0"/>
+              <a:t>暴露的是一个个</a:t>
+            </a:r>
+            <a:r>
+              <a:rPr lang="en-US" altLang="zh-CN" dirty="0" err="1"/>
+              <a:t>ip</a:t>
+            </a:r>
+            <a:r>
+              <a:rPr lang="zh-CN" altLang="en-US" dirty="0"/>
+              <a:t>，如果中间一个</a:t>
+            </a:r>
+            <a:r>
+              <a:rPr lang="en-US" altLang="zh-CN" dirty="0"/>
+              <a:t>pod</a:t>
+            </a:r>
+            <a:r>
+              <a:rPr lang="zh-CN" altLang="en-US" dirty="0"/>
+              <a:t>挂了，</a:t>
+            </a:r>
+            <a:r>
+              <a:rPr lang="en-US" altLang="zh-CN" dirty="0" err="1"/>
+              <a:t>dep</a:t>
+            </a:r>
+            <a:r>
+              <a:rPr lang="zh-CN" altLang="en-US" dirty="0"/>
+              <a:t>为了满足我们的期望值，会重新创建一个</a:t>
+            </a:r>
+            <a:r>
+              <a:rPr lang="en-US" altLang="zh-CN" dirty="0"/>
+              <a:t>pod</a:t>
+            </a:r>
+            <a:r>
+              <a:rPr lang="zh-CN" altLang="en-US" dirty="0"/>
+              <a:t>，这时候出问题了，刚好</a:t>
+            </a:r>
+            <a:r>
+              <a:rPr lang="en-US" altLang="zh-CN" dirty="0"/>
+              <a:t>service</a:t>
+            </a:r>
+            <a:r>
+              <a:rPr lang="zh-CN" altLang="en-US" dirty="0"/>
+              <a:t>就是为了解决这个问题而诞生的，它通过标签匹配到集群里面对应的标签</a:t>
+            </a:r>
+            <a:r>
+              <a:rPr lang="en-US" altLang="zh-CN" dirty="0"/>
+              <a:t>pod</a:t>
+            </a:r>
+            <a:r>
+              <a:rPr lang="zh-CN" altLang="en-US" dirty="0"/>
+              <a:t>，监听它们的状态，然后把</a:t>
+            </a:r>
+            <a:r>
+              <a:rPr lang="en-US" altLang="zh-CN" dirty="0"/>
+              <a:t>pod</a:t>
+            </a:r>
+            <a:r>
+              <a:rPr lang="zh-CN" altLang="en-US" dirty="0"/>
+              <a:t>信息同步到</a:t>
+            </a:r>
+            <a:r>
+              <a:rPr lang="en-US" altLang="zh-CN" dirty="0"/>
+              <a:t>service</a:t>
+            </a:r>
+            <a:r>
+              <a:rPr lang="zh-CN" altLang="en-US" dirty="0"/>
+              <a:t>里面，提供外部服务。</a:t>
+            </a:r>
+            <a:r>
+              <a:rPr lang="en-US" altLang="zh-CN" dirty="0"/>
+              <a:t>service</a:t>
+            </a:r>
+            <a:r>
+              <a:rPr lang="zh-CN" altLang="en-US" dirty="0"/>
+              <a:t>代理模式分三种</a:t>
+            </a:r>
+            <a:r>
+              <a:rPr lang="en-US" altLang="zh-CN" dirty="0" err="1"/>
+              <a:t>iptables</a:t>
+            </a:r>
+            <a:r>
+              <a:rPr lang="zh-CN" altLang="en-US" dirty="0"/>
+              <a:t>、</a:t>
+            </a:r>
+            <a:r>
+              <a:rPr lang="en-US" altLang="zh-CN" dirty="0" err="1"/>
+              <a:t>ipvs</a:t>
+            </a:r>
+            <a:r>
+              <a:rPr lang="zh-CN" altLang="en-US" dirty="0"/>
+              <a:t>等</a:t>
+            </a:r>
+            <a:endParaRPr lang="zh-CN" altLang="en-US" dirty="0"/>
+          </a:p>
+        </p:txBody>
+      </p:sp>
+    </p:spTree>
+    <p:extLst>
+      <p:ext uri="{BB962C8B-B14F-4D97-AF65-F5344CB8AC3E}">
+        <p14:creationId xmlns:p14="http://schemas.microsoft.com/office/powerpoint/2010/main" val="2389554862"/>
+      </p:ext>
+    </p:extLst>
+  </p:cSld>
+  <p:clrMapOvr>
+    <a:masterClrMapping/>
+  </p:clrMapOvr>
+</p:sld>
+</file>
+
+<file path=ppt/slides/slide6.xml><?xml version="1.0" encoding="utf-8"?>
+<p:sld xmlns:a="http://schemas.openxmlformats.org/drawingml/2006/main" xmlns:r="http://schemas.openxmlformats.org/officeDocument/2006/relationships" xmlns:p="http://schemas.openxmlformats.org/presentationml/2006/main">
+  <p:cSld>
+    <p:spTree>
+      <p:nvGrpSpPr>
+        <p:cNvPr id="1" name=""/>
+        <p:cNvGrpSpPr/>
+        <p:nvPr/>
+      </p:nvGrpSpPr>
+      <p:grpSpPr>
+        <a:xfrm>
+          <a:off x="0" y="0"/>
+          <a:ext cx="0" cy="0"/>
+          <a:chOff x="0" y="0"/>
+          <a:chExt cx="0" cy="0"/>
+        </a:xfrm>
+      </p:grpSpPr>
+      <p:pic>
+        <p:nvPicPr>
+          <p:cNvPr id="5" name="图片 4"/>
+          <p:cNvPicPr>
+            <a:picLocks noChangeAspect="1"/>
+          </p:cNvPicPr>
+          <p:nvPr/>
+        </p:nvPicPr>
+        <p:blipFill>
+          <a:blip r:embed="rId2">
+            <a:extLst>
+              <a:ext uri="{28A0092B-C50C-407E-A947-70E740481C1C}">
+                <a14:useLocalDpi xmlns:a14="http://schemas.microsoft.com/office/drawing/2010/main" val="0"/>
+              </a:ext>
+            </a:extLst>
+          </a:blip>
+          <a:stretch>
+            <a:fillRect/>
+          </a:stretch>
+        </p:blipFill>
+        <p:spPr>
+          <a:xfrm>
+            <a:off x="2552700" y="173469"/>
+            <a:ext cx="10845034" cy="6100331"/>
+          </a:xfrm>
+          <a:prstGeom prst="rect">
+            <a:avLst/>
+          </a:prstGeom>
+        </p:spPr>
+      </p:pic>
+      <p:sp>
+        <p:nvSpPr>
+          <p:cNvPr id="4" name="文本框 3"/>
+          <p:cNvSpPr txBox="1"/>
+          <p:nvPr/>
+        </p:nvSpPr>
+        <p:spPr>
+          <a:xfrm>
+            <a:off x="165100" y="711200"/>
+            <a:ext cx="4533900" cy="2862322"/>
+          </a:xfrm>
+          <a:prstGeom prst="rect">
+            <a:avLst/>
+          </a:prstGeom>
+          <a:noFill/>
+        </p:spPr>
+        <p:txBody>
+          <a:bodyPr wrap="square" rtlCol="0">
+            <a:spAutoFit/>
+          </a:bodyPr>
+          <a:lstStyle/>
+          <a:p>
+            <a:r>
+              <a:rPr lang="en-US" altLang="zh-CN" dirty="0" smtClean="0"/>
+              <a:t>Deployment</a:t>
+            </a:r>
+            <a:r>
+              <a:rPr lang="zh-CN" altLang="en-US" dirty="0" smtClean="0"/>
+              <a:t>是</a:t>
+            </a:r>
+            <a:r>
+              <a:rPr lang="en-US" altLang="zh-CN" dirty="0" smtClean="0"/>
+              <a:t>pod</a:t>
+            </a:r>
+            <a:r>
+              <a:rPr lang="zh-CN" altLang="en-US" dirty="0" smtClean="0"/>
+              <a:t>管理器，当</a:t>
+            </a:r>
+            <a:r>
+              <a:rPr lang="en-US" altLang="zh-CN" dirty="0" smtClean="0"/>
+              <a:t>pod</a:t>
+            </a:r>
+            <a:r>
+              <a:rPr lang="zh-CN" altLang="en-US" dirty="0" smtClean="0"/>
+              <a:t>生命周期完后，</a:t>
+            </a:r>
+            <a:r>
+              <a:rPr lang="en-US" altLang="zh-CN" dirty="0" smtClean="0"/>
+              <a:t>deployment</a:t>
+            </a:r>
+            <a:r>
+              <a:rPr lang="zh-CN" altLang="en-US" dirty="0" smtClean="0"/>
+              <a:t>会创建</a:t>
+            </a:r>
+            <a:r>
+              <a:rPr lang="en-US" altLang="zh-CN" dirty="0" smtClean="0"/>
+              <a:t>pod</a:t>
+            </a:r>
+            <a:r>
+              <a:rPr lang="zh-CN" altLang="en-US" dirty="0" smtClean="0"/>
+              <a:t>副本。</a:t>
+            </a:r>
+            <a:endParaRPr lang="en-US" altLang="zh-CN" dirty="0" smtClean="0"/>
+          </a:p>
+          <a:p>
+            <a:r>
+              <a:rPr lang="en-US" altLang="zh-CN" dirty="0" smtClean="0"/>
+              <a:t>Pod</a:t>
+            </a:r>
+            <a:r>
+              <a:rPr lang="zh-CN" altLang="en-US" dirty="0" smtClean="0"/>
+              <a:t>就是容器，可以理解为每个不同的服务</a:t>
+            </a:r>
+            <a:endParaRPr lang="en-US" altLang="zh-CN" dirty="0" smtClean="0"/>
+          </a:p>
+          <a:p>
+            <a:r>
+              <a:rPr lang="en-US" altLang="zh-CN" dirty="0" smtClean="0"/>
+              <a:t>Node</a:t>
+            </a:r>
+            <a:r>
+              <a:rPr lang="zh-CN" altLang="en-US" dirty="0" smtClean="0"/>
+              <a:t>就是部署不同的容器组，可以有多个。每个</a:t>
+            </a:r>
+            <a:r>
+              <a:rPr lang="en-US" altLang="zh-CN" dirty="0" smtClean="0"/>
+              <a:t>node</a:t>
+            </a:r>
+            <a:r>
+              <a:rPr lang="zh-CN" altLang="en-US" dirty="0" smtClean="0"/>
+              <a:t>有很多</a:t>
+            </a:r>
+            <a:r>
+              <a:rPr lang="en-US" altLang="zh-CN" dirty="0" smtClean="0"/>
+              <a:t>pod</a:t>
+            </a:r>
+          </a:p>
+          <a:p>
+            <a:endParaRPr lang="en-US" altLang="zh-CN" dirty="0"/>
+          </a:p>
+          <a:p>
+            <a:endParaRPr lang="en-US" altLang="zh-CN" dirty="0" smtClean="0"/>
+          </a:p>
+          <a:p>
+            <a:r>
+              <a:rPr lang="en-US" altLang="zh-CN" dirty="0" smtClean="0"/>
+              <a:t>Service</a:t>
+            </a:r>
+            <a:r>
+              <a:rPr lang="zh-CN" altLang="en-US" dirty="0" smtClean="0"/>
+              <a:t>服务代理，通过标签匹配</a:t>
+            </a:r>
+            <a:r>
+              <a:rPr lang="en-US" altLang="zh-CN" dirty="0" smtClean="0"/>
+              <a:t>pod</a:t>
+            </a:r>
+            <a:r>
+              <a:rPr lang="zh-CN" altLang="en-US" dirty="0" smtClean="0"/>
+              <a:t>，可以和</a:t>
+            </a:r>
+            <a:r>
+              <a:rPr lang="en-US" altLang="zh-CN" dirty="0" smtClean="0"/>
+              <a:t>pod</a:t>
+            </a:r>
+            <a:r>
+              <a:rPr lang="zh-CN" altLang="en-US" dirty="0" smtClean="0"/>
+              <a:t>关联起来。</a:t>
+            </a:r>
+            <a:r>
+              <a:rPr lang="en-US" altLang="zh-CN" dirty="0" smtClean="0"/>
+              <a:t>Service</a:t>
+            </a:r>
+            <a:r>
+              <a:rPr lang="zh-CN" altLang="en-US" dirty="0" smtClean="0"/>
+              <a:t>代理模式：</a:t>
+            </a:r>
+            <a:r>
+              <a:rPr lang="en-US" altLang="zh-CN" dirty="0" err="1" smtClean="0"/>
+              <a:t>itables</a:t>
+            </a:r>
+            <a:r>
+              <a:rPr lang="en-US" altLang="zh-CN" dirty="0" smtClean="0"/>
+              <a:t>/</a:t>
+            </a:r>
+            <a:r>
+              <a:rPr lang="en-US" altLang="zh-CN" dirty="0" err="1" smtClean="0"/>
+              <a:t>ipvs</a:t>
+            </a:r>
+            <a:endParaRPr lang="zh-CN" altLang="en-US" dirty="0"/>
+          </a:p>
+        </p:txBody>
+      </p:sp>
+    </p:spTree>
+    <p:extLst>
+      <p:ext uri="{BB962C8B-B14F-4D97-AF65-F5344CB8AC3E}">
+        <p14:creationId xmlns:p14="http://schemas.microsoft.com/office/powerpoint/2010/main" val="3227387450"/>
+      </p:ext>
+    </p:extLst>
+  </p:cSld>
+  <p:clrMapOvr>
+    <a:masterClrMapping/>
+  </p:clrMapOvr>
+</p:sld>
+</file>
+
+<file path=ppt/slides/slide7.xml><?xml version="1.0" encoding="utf-8"?>
+<p:sld xmlns:a="http://schemas.openxmlformats.org/drawingml/2006/main" xmlns:r="http://schemas.openxmlformats.org/officeDocument/2006/relationships" xmlns:p="http://schemas.openxmlformats.org/presentationml/2006/main">
+  <p:cSld>
+    <p:spTree>
+      <p:nvGrpSpPr>
+        <p:cNvPr id="1" name=""/>
+        <p:cNvGrpSpPr/>
+        <p:nvPr/>
+      </p:nvGrpSpPr>
+      <p:grpSpPr>
+        <a:xfrm>
+          <a:off x="0" y="0"/>
+          <a:ext cx="0" cy="0"/>
+          <a:chOff x="0" y="0"/>
+          <a:chExt cx="0" cy="0"/>
+        </a:xfrm>
+      </p:grpSpPr>
+      <p:sp>
+        <p:nvSpPr>
+          <p:cNvPr id="3" name="内容占位符 2"/>
+          <p:cNvSpPr>
+            <a:spLocks noGrp="1"/>
+          </p:cNvSpPr>
+          <p:nvPr>
+            <p:ph idx="1"/>
+          </p:nvPr>
+        </p:nvSpPr>
+        <p:spPr>
+          <a:xfrm>
+            <a:off x="838200" y="254000"/>
+            <a:ext cx="10515600" cy="5884863"/>
+          </a:xfrm>
+        </p:spPr>
+        <p:txBody>
+          <a:bodyPr/>
+          <a:lstStyle/>
+          <a:p>
+            <a:r>
+              <a:rPr lang="zh-CN" altLang="en-US" dirty="0" smtClean="0"/>
+              <a:t>部署服务的步骤</a:t>
+            </a:r>
+            <a:endParaRPr lang="en-US" altLang="zh-CN" dirty="0" smtClean="0"/>
+          </a:p>
+          <a:p>
+            <a:pPr marL="0" indent="0">
+              <a:buNone/>
+            </a:pPr>
+            <a:r>
+              <a:rPr lang="en-US" altLang="zh-CN" dirty="0" smtClean="0"/>
+              <a:t>1.</a:t>
+            </a:r>
+            <a:r>
+              <a:rPr lang="zh-CN" altLang="en-US" dirty="0" smtClean="0"/>
+              <a:t>创建镜像</a:t>
+            </a:r>
+            <a:endParaRPr lang="en-US" altLang="zh-CN" dirty="0" smtClean="0"/>
+          </a:p>
+          <a:p>
+            <a:pPr marL="0" indent="0">
+              <a:buNone/>
+            </a:pPr>
+            <a:r>
+              <a:rPr lang="en-US" altLang="zh-CN" dirty="0" smtClean="0"/>
+              <a:t>2.</a:t>
+            </a:r>
+            <a:r>
+              <a:rPr lang="zh-CN" altLang="en-US" dirty="0" smtClean="0"/>
+              <a:t>创建</a:t>
+            </a:r>
+            <a:r>
+              <a:rPr lang="en-US" altLang="zh-CN" dirty="0" smtClean="0"/>
+              <a:t>deployment</a:t>
+            </a:r>
+            <a:r>
+              <a:rPr lang="zh-CN" altLang="en-US" dirty="0" smtClean="0"/>
+              <a:t>，</a:t>
+            </a:r>
+            <a:r>
+              <a:rPr lang="en-US" altLang="zh-CN" dirty="0" err="1" smtClean="0"/>
+              <a:t>yaml</a:t>
+            </a:r>
+            <a:r>
+              <a:rPr lang="zh-CN" altLang="en-US" dirty="0" smtClean="0"/>
+              <a:t>格式的文件，然后执行 </a:t>
+            </a:r>
+            <a:r>
+              <a:rPr lang="en-US" altLang="zh-CN" dirty="0" err="1" smtClean="0"/>
+              <a:t>kubectl</a:t>
+            </a:r>
+            <a:r>
+              <a:rPr lang="en-US" altLang="zh-CN" dirty="0" smtClean="0"/>
+              <a:t> create –f </a:t>
+            </a:r>
+            <a:r>
+              <a:rPr lang="en-US" altLang="zh-CN" dirty="0" err="1" smtClean="0"/>
+              <a:t>xxx.yaml</a:t>
+            </a:r>
+            <a:r>
+              <a:rPr lang="zh-CN" altLang="en-US" dirty="0" smtClean="0"/>
+              <a:t>。   </a:t>
+            </a:r>
+            <a:r>
+              <a:rPr lang="en-US" altLang="zh-CN" dirty="0" err="1" smtClean="0">
+                <a:solidFill>
+                  <a:srgbClr val="FF0000"/>
+                </a:solidFill>
+              </a:rPr>
+              <a:t>Kubectl</a:t>
+            </a:r>
+            <a:r>
+              <a:rPr lang="en-US" altLang="zh-CN" dirty="0" smtClean="0">
+                <a:solidFill>
+                  <a:srgbClr val="FF0000"/>
+                </a:solidFill>
+              </a:rPr>
+              <a:t> get deployment –n </a:t>
+            </a:r>
+            <a:r>
+              <a:rPr lang="zh-CN" altLang="en-US" dirty="0" smtClean="0">
+                <a:solidFill>
+                  <a:srgbClr val="FF0000"/>
+                </a:solidFill>
+              </a:rPr>
+              <a:t>名称空间</a:t>
+            </a:r>
+            <a:endParaRPr lang="en-US" altLang="zh-CN" dirty="0" smtClean="0">
+              <a:solidFill>
+                <a:srgbClr val="FF0000"/>
+              </a:solidFill>
+            </a:endParaRPr>
+          </a:p>
+          <a:p>
+            <a:pPr marL="0" indent="0">
+              <a:buNone/>
+            </a:pPr>
+            <a:r>
+              <a:rPr lang="en-US" altLang="zh-CN" dirty="0" smtClean="0"/>
+              <a:t>3.</a:t>
+            </a:r>
+            <a:r>
+              <a:rPr lang="zh-CN" altLang="en-US" dirty="0" smtClean="0"/>
+              <a:t>部署</a:t>
+            </a:r>
+            <a:r>
+              <a:rPr lang="en-US" altLang="zh-CN" dirty="0" smtClean="0"/>
+              <a:t>service</a:t>
+            </a:r>
+            <a:r>
+              <a:rPr lang="zh-CN" altLang="en-US" dirty="0" smtClean="0"/>
+              <a:t>代理  </a:t>
+            </a:r>
+            <a:r>
+              <a:rPr lang="en-US" altLang="zh-CN" dirty="0" err="1" smtClean="0"/>
+              <a:t>yaml</a:t>
+            </a:r>
+            <a:r>
+              <a:rPr lang="zh-CN" altLang="en-US" dirty="0" smtClean="0"/>
+              <a:t>格式的文件，然后执行</a:t>
+            </a:r>
+            <a:r>
+              <a:rPr lang="en-US" altLang="zh-CN" dirty="0" err="1" smtClean="0"/>
+              <a:t>kubectl</a:t>
+            </a:r>
+            <a:r>
+              <a:rPr lang="en-US" altLang="zh-CN" dirty="0" smtClean="0"/>
+              <a:t> create –f </a:t>
+            </a:r>
+            <a:r>
+              <a:rPr lang="en-US" altLang="zh-CN" dirty="0" err="1" smtClean="0"/>
+              <a:t>xxx.yaml</a:t>
+            </a:r>
+            <a:r>
+              <a:rPr lang="en-US" altLang="zh-CN" dirty="0" smtClean="0"/>
+              <a:t>      </a:t>
+            </a:r>
+            <a:r>
+              <a:rPr lang="en-US" altLang="zh-CN" dirty="0" err="1" smtClean="0">
+                <a:solidFill>
+                  <a:srgbClr val="FF0000"/>
+                </a:solidFill>
+              </a:rPr>
+              <a:t>kubectl</a:t>
+            </a:r>
+            <a:r>
+              <a:rPr lang="en-US" altLang="zh-CN" dirty="0" smtClean="0">
+                <a:solidFill>
+                  <a:srgbClr val="FF0000"/>
+                </a:solidFill>
+              </a:rPr>
+              <a:t> get service –n </a:t>
+            </a:r>
+            <a:r>
+              <a:rPr lang="zh-CN" altLang="en-US" dirty="0" smtClean="0">
+                <a:solidFill>
+                  <a:srgbClr val="FF0000"/>
+                </a:solidFill>
+              </a:rPr>
+              <a:t>名称空间</a:t>
+            </a:r>
+            <a:endParaRPr lang="en-US" altLang="zh-CN" dirty="0" smtClean="0">
+              <a:solidFill>
+                <a:srgbClr val="FF0000"/>
+              </a:solidFill>
+            </a:endParaRPr>
+          </a:p>
+          <a:p>
+            <a:pPr marL="0" indent="0">
+              <a:buNone/>
+            </a:pPr>
+            <a:r>
+              <a:rPr lang="en-US" altLang="zh-CN" dirty="0" smtClean="0"/>
+              <a:t>4.</a:t>
+            </a:r>
+            <a:r>
+              <a:rPr lang="zh-CN" altLang="en-US" dirty="0" smtClean="0"/>
+              <a:t>部署</a:t>
+            </a:r>
+            <a:r>
+              <a:rPr lang="en-US" altLang="zh-CN" dirty="0" smtClean="0"/>
+              <a:t>ingress</a:t>
+            </a:r>
+            <a:r>
+              <a:rPr lang="zh-CN" altLang="en-US" dirty="0" smtClean="0"/>
+              <a:t>。</a:t>
+            </a:r>
+            <a:r>
+              <a:rPr lang="en-US" altLang="zh-CN" dirty="0" err="1" smtClean="0"/>
+              <a:t>Yaml</a:t>
+            </a:r>
+            <a:r>
+              <a:rPr lang="zh-CN" altLang="en-US" dirty="0" smtClean="0"/>
+              <a:t>文件</a:t>
+            </a:r>
+            <a:endParaRPr lang="en-US" altLang="zh-CN" dirty="0" smtClean="0"/>
+          </a:p>
+          <a:p>
+            <a:pPr marL="0" indent="0">
+              <a:buNone/>
+            </a:pPr>
+            <a:endParaRPr lang="en-US" altLang="zh-CN" dirty="0"/>
+          </a:p>
+          <a:p>
+            <a:pPr marL="0" indent="0">
+              <a:buNone/>
+            </a:pPr>
+            <a:endParaRPr lang="en-US" altLang="zh-CN" dirty="0" smtClean="0"/>
+          </a:p>
+          <a:p>
+            <a:pPr marL="0" indent="0">
+              <a:buNone/>
+            </a:pPr>
+            <a:r>
+              <a:rPr lang="zh-CN" altLang="en-US" dirty="0" smtClean="0"/>
+              <a:t>查看全部节点</a:t>
+            </a:r>
+            <a:endParaRPr lang="en-US" altLang="zh-CN" dirty="0" smtClean="0"/>
+          </a:p>
+          <a:p>
+            <a:pPr marL="0" indent="0">
+              <a:buNone/>
+            </a:pPr>
+            <a:r>
+              <a:rPr lang="en-US" altLang="zh-CN" dirty="0"/>
+              <a:t>	</a:t>
+            </a:r>
+            <a:r>
+              <a:rPr lang="en-US" altLang="zh-CN" dirty="0" err="1" smtClean="0"/>
+              <a:t>kubectl</a:t>
+            </a:r>
+            <a:r>
+              <a:rPr lang="en-US" altLang="zh-CN" dirty="0" smtClean="0"/>
+              <a:t> get node</a:t>
+            </a:r>
+          </a:p>
+          <a:p>
+            <a:pPr marL="0" indent="0">
+              <a:buNone/>
+            </a:pPr>
+            <a:endParaRPr lang="zh-CN" altLang="en-US" dirty="0"/>
+          </a:p>
+        </p:txBody>
+      </p:sp>
+    </p:spTree>
+    <p:extLst>
+      <p:ext uri="{BB962C8B-B14F-4D97-AF65-F5344CB8AC3E}">
+        <p14:creationId xmlns:p14="http://schemas.microsoft.com/office/powerpoint/2010/main" val="2968907291"/>
+      </p:ext>
+    </p:extLst>
+  </p:cSld>
+  <p:clrMapOvr>
+    <a:masterClrMapping/>
+  </p:clrMapOvr>
+</p:sld>
+</file>
+
+<file path=ppt/slides/slide8.xml><?xml version="1.0" encoding="utf-8"?>
+<p:sld xmlns:a="http://schemas.openxmlformats.org/drawingml/2006/main" xmlns:r="http://schemas.openxmlformats.org/officeDocument/2006/relationships" xmlns:p="http://schemas.openxmlformats.org/presentationml/2006/main">
+  <p:cSld>
+    <p:spTree>
+      <p:nvGrpSpPr>
+        <p:cNvPr id="1" name=""/>
+        <p:cNvGrpSpPr/>
+        <p:nvPr/>
+      </p:nvGrpSpPr>
+      <p:grpSpPr>
+        <a:xfrm>
+          <a:off x="0" y="0"/>
+          <a:ext cx="0" cy="0"/>
+          <a:chOff x="0" y="0"/>
+          <a:chExt cx="0" cy="0"/>
+        </a:xfrm>
+      </p:grpSpPr>
+      <p:sp>
+        <p:nvSpPr>
+          <p:cNvPr id="2" name="标题 1"/>
+          <p:cNvSpPr>
+            <a:spLocks noGrp="1"/>
+          </p:cNvSpPr>
+          <p:nvPr>
+            <p:ph type="title"/>
+          </p:nvPr>
+        </p:nvSpPr>
+        <p:spPr/>
+        <p:txBody>
+          <a:bodyPr/>
+          <a:lstStyle/>
+          <a:p>
+            <a:endParaRPr lang="zh-CN" altLang="en-US"/>
+          </a:p>
+        </p:txBody>
+      </p:sp>
+      <p:sp>
+        <p:nvSpPr>
+          <p:cNvPr id="3" name="内容占位符 2"/>
+          <p:cNvSpPr>
+            <a:spLocks noGrp="1"/>
+          </p:cNvSpPr>
+          <p:nvPr>
+            <p:ph idx="1"/>
+          </p:nvPr>
+        </p:nvSpPr>
+        <p:spPr/>
+        <p:txBody>
+          <a:bodyPr/>
+          <a:lstStyle/>
+          <a:p>
+            <a:endParaRPr lang="zh-CN" altLang="en-US"/>
+          </a:p>
+        </p:txBody>
+      </p:sp>
+    </p:spTree>
+    <p:extLst>
+      <p:ext uri="{BB962C8B-B14F-4D97-AF65-F5344CB8AC3E}">
+        <p14:creationId xmlns:p14="http://schemas.microsoft.com/office/powerpoint/2010/main" val="2478357644"/>
+      </p:ext>
+    </p:extLst>
+  </p:cSld>
+  <p:clrMapOvr>
+    <a:masterClrMapping/>
+  </p:clrMapOvr>
+</p:sld>
+</file>
+
+<file path=ppt/slides/slide9.xml><?xml version="1.0" encoding="utf-8"?>
+<p:sld xmlns:a="http://schemas.openxmlformats.org/drawingml/2006/main" xmlns:r="http://schemas.openxmlformats.org/officeDocument/2006/relationships" xmlns:p="http://schemas.openxmlformats.org/presentationml/2006/main">
+  <p:cSld>
+    <p:spTree>
+      <p:nvGrpSpPr>
+        <p:cNvPr id="1" name=""/>
+        <p:cNvGrpSpPr/>
+        <p:nvPr/>
+      </p:nvGrpSpPr>
+      <p:grpSpPr>
+        <a:xfrm>
+          <a:off x="0" y="0"/>
+          <a:ext cx="0" cy="0"/>
+          <a:chOff x="0" y="0"/>
+          <a:chExt cx="0" cy="0"/>
+        </a:xfrm>
+      </p:grpSpPr>
+      <p:pic>
+        <p:nvPicPr>
+          <p:cNvPr id="5" name="图片 4"/>
+          <p:cNvPicPr>
+            <a:picLocks noChangeAspect="1"/>
+          </p:cNvPicPr>
+          <p:nvPr/>
+        </p:nvPicPr>
+        <p:blipFill>
+          <a:blip r:embed="rId2">
+            <a:extLst>
+              <a:ext uri="{28A0092B-C50C-407E-A947-70E740481C1C}">
+                <a14:useLocalDpi xmlns:a14="http://schemas.microsoft.com/office/drawing/2010/main" val="0"/>
+              </a:ext>
+            </a:extLst>
+          </a:blip>
+          <a:stretch>
+            <a:fillRect/>
+          </a:stretch>
+        </p:blipFill>
+        <p:spPr>
+          <a:xfrm>
+            <a:off x="1728633" y="1202978"/>
+            <a:ext cx="10058400" cy="5655022"/>
+          </a:xfrm>
+          <a:prstGeom prst="rect">
+            <a:avLst/>
+          </a:prstGeom>
+        </p:spPr>
+      </p:pic>
+    </p:spTree>
+    <p:extLst>
+      <p:ext uri="{BB962C8B-B14F-4D97-AF65-F5344CB8AC3E}">
+        <p14:creationId xmlns:p14="http://schemas.microsoft.com/office/powerpoint/2010/main" val="3040105351"/>
       </p:ext>
     </p:extLst>
   </p:cSld>

--- a/其他内容/k8s使用.pptx
+++ b/其他内容/k8s使用.pptx
@@ -255,7 +255,7 @@
           <a:p>
             <a:fld id="{1132488B-E83E-4726-A99B-C8791D64A6D9}" type="datetimeFigureOut">
               <a:rPr lang="zh-CN" altLang="en-US" smtClean="0"/>
-              <a:t>2020/12/2</a:t>
+              <a:t>2020/12/4</a:t>
             </a:fld>
             <a:endParaRPr lang="zh-CN" altLang="en-US"/>
           </a:p>
@@ -425,7 +425,7 @@
           <a:p>
             <a:fld id="{1132488B-E83E-4726-A99B-C8791D64A6D9}" type="datetimeFigureOut">
               <a:rPr lang="zh-CN" altLang="en-US" smtClean="0"/>
-              <a:t>2020/12/2</a:t>
+              <a:t>2020/12/4</a:t>
             </a:fld>
             <a:endParaRPr lang="zh-CN" altLang="en-US"/>
           </a:p>
@@ -605,7 +605,7 @@
           <a:p>
             <a:fld id="{1132488B-E83E-4726-A99B-C8791D64A6D9}" type="datetimeFigureOut">
               <a:rPr lang="zh-CN" altLang="en-US" smtClean="0"/>
-              <a:t>2020/12/2</a:t>
+              <a:t>2020/12/4</a:t>
             </a:fld>
             <a:endParaRPr lang="zh-CN" altLang="en-US"/>
           </a:p>
@@ -775,7 +775,7 @@
           <a:p>
             <a:fld id="{1132488B-E83E-4726-A99B-C8791D64A6D9}" type="datetimeFigureOut">
               <a:rPr lang="zh-CN" altLang="en-US" smtClean="0"/>
-              <a:t>2020/12/2</a:t>
+              <a:t>2020/12/4</a:t>
             </a:fld>
             <a:endParaRPr lang="zh-CN" altLang="en-US"/>
           </a:p>
@@ -1021,7 +1021,7 @@
           <a:p>
             <a:fld id="{1132488B-E83E-4726-A99B-C8791D64A6D9}" type="datetimeFigureOut">
               <a:rPr lang="zh-CN" altLang="en-US" smtClean="0"/>
-              <a:t>2020/12/2</a:t>
+              <a:t>2020/12/4</a:t>
             </a:fld>
             <a:endParaRPr lang="zh-CN" altLang="en-US"/>
           </a:p>
@@ -1253,7 +1253,7 @@
           <a:p>
             <a:fld id="{1132488B-E83E-4726-A99B-C8791D64A6D9}" type="datetimeFigureOut">
               <a:rPr lang="zh-CN" altLang="en-US" smtClean="0"/>
-              <a:t>2020/12/2</a:t>
+              <a:t>2020/12/4</a:t>
             </a:fld>
             <a:endParaRPr lang="zh-CN" altLang="en-US"/>
           </a:p>
@@ -1620,7 +1620,7 @@
           <a:p>
             <a:fld id="{1132488B-E83E-4726-A99B-C8791D64A6D9}" type="datetimeFigureOut">
               <a:rPr lang="zh-CN" altLang="en-US" smtClean="0"/>
-              <a:t>2020/12/2</a:t>
+              <a:t>2020/12/4</a:t>
             </a:fld>
             <a:endParaRPr lang="zh-CN" altLang="en-US"/>
           </a:p>
@@ -1738,7 +1738,7 @@
           <a:p>
             <a:fld id="{1132488B-E83E-4726-A99B-C8791D64A6D9}" type="datetimeFigureOut">
               <a:rPr lang="zh-CN" altLang="en-US" smtClean="0"/>
-              <a:t>2020/12/2</a:t>
+              <a:t>2020/12/4</a:t>
             </a:fld>
             <a:endParaRPr lang="zh-CN" altLang="en-US"/>
           </a:p>
@@ -1833,7 +1833,7 @@
           <a:p>
             <a:fld id="{1132488B-E83E-4726-A99B-C8791D64A6D9}" type="datetimeFigureOut">
               <a:rPr lang="zh-CN" altLang="en-US" smtClean="0"/>
-              <a:t>2020/12/2</a:t>
+              <a:t>2020/12/4</a:t>
             </a:fld>
             <a:endParaRPr lang="zh-CN" altLang="en-US"/>
           </a:p>
@@ -2110,7 +2110,7 @@
           <a:p>
             <a:fld id="{1132488B-E83E-4726-A99B-C8791D64A6D9}" type="datetimeFigureOut">
               <a:rPr lang="zh-CN" altLang="en-US" smtClean="0"/>
-              <a:t>2020/12/2</a:t>
+              <a:t>2020/12/4</a:t>
             </a:fld>
             <a:endParaRPr lang="zh-CN" altLang="en-US"/>
           </a:p>
@@ -2363,7 +2363,7 @@
           <a:p>
             <a:fld id="{1132488B-E83E-4726-A99B-C8791D64A6D9}" type="datetimeFigureOut">
               <a:rPr lang="zh-CN" altLang="en-US" smtClean="0"/>
-              <a:t>2020/12/2</a:t>
+              <a:t>2020/12/4</a:t>
             </a:fld>
             <a:endParaRPr lang="zh-CN" altLang="en-US"/>
           </a:p>
@@ -2576,7 +2576,7 @@
           <a:p>
             <a:fld id="{1132488B-E83E-4726-A99B-C8791D64A6D9}" type="datetimeFigureOut">
               <a:rPr lang="zh-CN" altLang="en-US" smtClean="0"/>
-              <a:t>2020/12/2</a:t>
+              <a:t>2020/12/4</a:t>
             </a:fld>
             <a:endParaRPr lang="zh-CN" altLang="en-US"/>
           </a:p>
@@ -4648,13 +4648,13 @@
         </p:nvSpPr>
         <p:spPr>
           <a:xfrm>
-            <a:off x="993476" y="859465"/>
-            <a:ext cx="10515600" cy="5687983"/>
+            <a:off x="993476" y="381001"/>
+            <a:ext cx="10515600" cy="6166448"/>
           </a:xfrm>
         </p:spPr>
         <p:txBody>
           <a:bodyPr>
-            <a:normAutofit fontScale="32500" lnSpcReduction="20000"/>
+            <a:normAutofit fontScale="40000" lnSpcReduction="20000"/>
           </a:bodyPr>
           <a:lstStyle/>
           <a:p>
@@ -7411,7 +7411,6 @@
               <a:rPr lang="zh-CN" altLang="en-US" dirty="0"/>
               <a:t>等</a:t>
             </a:r>
-            <a:endParaRPr lang="zh-CN" altLang="en-US" dirty="0"/>
           </a:p>
         </p:txBody>
       </p:sp>
